--- a/presentations/weekly_meetings/8_15_24.pptx
+++ b/presentations/weekly_meetings/8_15_24.pptx
@@ -1030,7 +1030,33 @@
               <a:tabLst/>
               <a:defRPr/>
             </a:pPr>
-            <a:endParaRPr lang="en-US" dirty="0"/>
+            <a:r>
+              <a:rPr lang="en-US" dirty="0"/>
+              <a:t>I guess I don't really have any evidence for DP CD127+ splitting off... it could still be parent to other DPs and blocking IL7R doesn't kill cells it would just make it as if they were CD127-...</a:t>
+            </a:r>
+          </a:p>
+          <a:p>
+            <a:pPr marL="0" marR="0" lvl="0" indent="0" algn="l" defTabSz="914400" rtl="0" eaLnBrk="1" fontAlgn="auto" latinLnBrk="0" hangingPunct="1">
+              <a:lnSpc>
+                <a:spcPct val="100000"/>
+              </a:lnSpc>
+              <a:spcBef>
+                <a:spcPts val="0"/>
+              </a:spcBef>
+              <a:spcAft>
+                <a:spcPts val="0"/>
+              </a:spcAft>
+              <a:buClrTx/>
+              <a:buSzTx/>
+              <a:buFont typeface="+mj-lt"/>
+              <a:buNone/>
+              <a:tabLst/>
+              <a:defRPr/>
+            </a:pPr>
+            <a:r>
+              <a:rPr lang="en-US" dirty="0"/>
+              <a:t>heterogeneity in association w/ response, does a linear path make sense with this? possibly...</a:t>
+            </a:r>
           </a:p>
         </p:txBody>
       </p:sp>

--- a/presentations/weekly_meetings/8_15_24.pptx
+++ b/presentations/weekly_meetings/8_15_24.pptx
@@ -5,7 +5,7 @@
     <p:sldMasterId id="2147483648" r:id="rId1"/>
   </p:sldMasterIdLst>
   <p:notesMasterIdLst>
-    <p:notesMasterId r:id="rId17"/>
+    <p:notesMasterId r:id="rId20"/>
   </p:notesMasterIdLst>
   <p:sldIdLst>
     <p:sldId id="477" r:id="rId2"/>
@@ -19,10 +19,13 @@
     <p:sldId id="762" r:id="rId10"/>
     <p:sldId id="761" r:id="rId11"/>
     <p:sldId id="767" r:id="rId12"/>
-    <p:sldId id="763" r:id="rId13"/>
-    <p:sldId id="768" r:id="rId14"/>
-    <p:sldId id="755" r:id="rId15"/>
-    <p:sldId id="764" r:id="rId16"/>
+    <p:sldId id="769" r:id="rId13"/>
+    <p:sldId id="771" r:id="rId14"/>
+    <p:sldId id="763" r:id="rId15"/>
+    <p:sldId id="755" r:id="rId16"/>
+    <p:sldId id="768" r:id="rId17"/>
+    <p:sldId id="764" r:id="rId18"/>
+    <p:sldId id="770" r:id="rId19"/>
   </p:sldIdLst>
   <p:sldSz cx="12192000" cy="6858000"/>
   <p:notesSz cx="6858000" cy="9144000"/>
@@ -222,7 +225,7 @@
           <a:p>
             <a:fld id="{E933A773-0DCE-3544-BB67-D5FA58DF903C}" type="datetimeFigureOut">
               <a:rPr lang="en-US" smtClean="0"/>
-              <a:t>8/12/24</a:t>
+              <a:t>8/14/24</a:t>
             </a:fld>
             <a:endParaRPr lang="en-US"/>
           </a:p>
@@ -780,7 +783,10 @@
               <a:tabLst/>
               <a:defRPr/>
             </a:pPr>
-            <a:endParaRPr lang="en-US" dirty="0"/>
+            <a:r>
+              <a:rPr lang="en-US" dirty="0"/>
+              <a:t>Maybe should do this for just top VARs using Seurat? If anything one might expect this one to be noisier using all peaks…</a:t>
+            </a:r>
           </a:p>
         </p:txBody>
       </p:sp>
@@ -905,7 +911,61 @@
               <a:tabLst/>
               <a:defRPr/>
             </a:pPr>
+            <a:r>
+              <a:rPr lang="en-US" dirty="0"/>
+              <a:t>Went from ~28k to ~35k features (consensus peaks) with </a:t>
+            </a:r>
+            <a:r>
+              <a:rPr lang="en-US" dirty="0" err="1"/>
+              <a:t>reseq</a:t>
+            </a:r>
+            <a:r>
+              <a:rPr lang="en-US" dirty="0"/>
+              <a:t>, still just top 2k shown here though</a:t>
+            </a:r>
+          </a:p>
+          <a:p>
+            <a:pPr marL="0" marR="0" lvl="0" indent="0" algn="l" defTabSz="914400" rtl="0" eaLnBrk="1" fontAlgn="auto" latinLnBrk="0" hangingPunct="1">
+              <a:lnSpc>
+                <a:spcPct val="100000"/>
+              </a:lnSpc>
+              <a:spcBef>
+                <a:spcPts val="0"/>
+              </a:spcBef>
+              <a:spcAft>
+                <a:spcPts val="0"/>
+              </a:spcAft>
+              <a:buClrTx/>
+              <a:buSzTx/>
+              <a:buFont typeface="+mj-lt"/>
+              <a:buNone/>
+              <a:tabLst/>
+              <a:defRPr/>
+            </a:pPr>
             <a:endParaRPr lang="en-US" dirty="0"/>
+          </a:p>
+          <a:p>
+            <a:pPr marL="0" marR="0" lvl="0" indent="0" algn="l" defTabSz="914400" rtl="0" eaLnBrk="1" fontAlgn="auto" latinLnBrk="0" hangingPunct="1">
+              <a:lnSpc>
+                <a:spcPct val="100000"/>
+              </a:lnSpc>
+              <a:spcBef>
+                <a:spcPts val="0"/>
+              </a:spcBef>
+              <a:spcAft>
+                <a:spcPts val="0"/>
+              </a:spcAft>
+              <a:buClrTx/>
+              <a:buSzTx/>
+              <a:buFont typeface="+mj-lt"/>
+              <a:buNone/>
+              <a:tabLst/>
+              <a:defRPr/>
+            </a:pPr>
+            <a:r>
+              <a:rPr lang="en-US" b="1" dirty="0"/>
+              <a:t>Not sure why DN outlier here and now before but before it was UMAP really hiding it (was outlier in high dim space)</a:t>
+            </a:r>
           </a:p>
         </p:txBody>
       </p:sp>
@@ -941,7 +1001,7 @@
     </p:spTree>
     <p:extLst>
       <p:ext uri="{BB962C8B-B14F-4D97-AF65-F5344CB8AC3E}">
-        <p14:creationId xmlns:p14="http://schemas.microsoft.com/office/powerpoint/2010/main" val="984357817"/>
+        <p14:creationId xmlns:p14="http://schemas.microsoft.com/office/powerpoint/2010/main" val="3395050027"/>
       </p:ext>
     </p:extLst>
   </p:cSld>
@@ -1032,8 +1092,13 @@
             </a:pPr>
             <a:r>
               <a:rPr lang="en-US" dirty="0"/>
-              <a:t>I guess I don't really have any evidence for DP CD127+ splitting off... it could still be parent to other DPs and blocking IL7R doesn't kill cells it would just make it as if they were CD127-...</a:t>
-            </a:r>
+              <a:t>Went from ~28k to ~35k features (consensus peaks) with </a:t>
+            </a:r>
+            <a:r>
+              <a:rPr lang="en-US" dirty="0" err="1"/>
+              <a:t>reseq</a:t>
+            </a:r>
+            <a:endParaRPr lang="en-US" dirty="0"/>
           </a:p>
           <a:p>
             <a:pPr marL="0" marR="0" lvl="0" indent="0" algn="l" defTabSz="914400" rtl="0" eaLnBrk="1" fontAlgn="auto" latinLnBrk="0" hangingPunct="1">
@@ -1053,10 +1118,78 @@
               <a:tabLst/>
               <a:defRPr/>
             </a:pPr>
+            <a:endParaRPr lang="en-US" dirty="0"/>
+          </a:p>
+          <a:p>
+            <a:pPr marL="0" marR="0" lvl="0" indent="0" algn="l" defTabSz="914400" rtl="0" eaLnBrk="1" fontAlgn="auto" latinLnBrk="0" hangingPunct="1">
+              <a:lnSpc>
+                <a:spcPct val="100000"/>
+              </a:lnSpc>
+              <a:spcBef>
+                <a:spcPts val="0"/>
+              </a:spcBef>
+              <a:spcAft>
+                <a:spcPts val="0"/>
+              </a:spcAft>
+              <a:buClrTx/>
+              <a:buSzTx/>
+              <a:buFont typeface="+mj-lt"/>
+              <a:buNone/>
+              <a:tabLst/>
+              <a:defRPr/>
+            </a:pPr>
+            <a:r>
+              <a:rPr lang="en-US" b="1" dirty="0"/>
+              <a:t>Not sure why DN outlier here and now before but before it was UMAP really hiding it (was outlier in high dim space)</a:t>
+            </a:r>
+          </a:p>
+          <a:p>
+            <a:pPr marL="0" marR="0" lvl="0" indent="0" algn="l" defTabSz="914400" rtl="0" eaLnBrk="1" fontAlgn="auto" latinLnBrk="0" hangingPunct="1">
+              <a:lnSpc>
+                <a:spcPct val="100000"/>
+              </a:lnSpc>
+              <a:spcBef>
+                <a:spcPts val="0"/>
+              </a:spcBef>
+              <a:spcAft>
+                <a:spcPts val="0"/>
+              </a:spcAft>
+              <a:buClrTx/>
+              <a:buSzTx/>
+              <a:buFont typeface="+mj-lt"/>
+              <a:buNone/>
+              <a:tabLst/>
+              <a:defRPr/>
+            </a:pPr>
+            <a:endParaRPr lang="en-US" b="1" dirty="0"/>
+          </a:p>
+          <a:p>
+            <a:pPr marL="0" marR="0" lvl="0" indent="0" algn="l" defTabSz="914400" rtl="0" eaLnBrk="1" fontAlgn="auto" latinLnBrk="0" hangingPunct="1">
+              <a:lnSpc>
+                <a:spcPct val="100000"/>
+              </a:lnSpc>
+              <a:spcBef>
+                <a:spcPts val="0"/>
+              </a:spcBef>
+              <a:spcAft>
+                <a:spcPts val="0"/>
+              </a:spcAft>
+              <a:buClrTx/>
+              <a:buSzTx/>
+              <a:buFont typeface="+mj-lt"/>
+              <a:buNone/>
+              <a:tabLst/>
+              <a:defRPr/>
+            </a:pPr>
+            <a:r>
+              <a:rPr lang="en-US" dirty="0" err="1"/>
+              <a:t>donorId</a:t>
+            </a:r>
             <a:r>
               <a:rPr lang="en-US" dirty="0"/>
-              <a:t>heterogeneity in association w/ response, does a linear path make sense with this? possibly...</a:t>
-            </a:r>
+              <a:t> and responder status regressed out here too</a:t>
+            </a:r>
+            <a:endParaRPr lang="en-US" b="1" dirty="0"/>
           </a:p>
         </p:txBody>
       </p:sp>
@@ -1092,7 +1225,7 @@
     </p:spTree>
     <p:extLst>
       <p:ext uri="{BB962C8B-B14F-4D97-AF65-F5344CB8AC3E}">
-        <p14:creationId xmlns:p14="http://schemas.microsoft.com/office/powerpoint/2010/main" val="1317752481"/>
+        <p14:creationId xmlns:p14="http://schemas.microsoft.com/office/powerpoint/2010/main" val="2790168457"/>
       </p:ext>
     </p:extLst>
   </p:cSld>
@@ -1181,16 +1314,7 @@
               <a:tabLst/>
               <a:defRPr/>
             </a:pPr>
-            <a:r>
-              <a:rPr lang="en-US" sz="1200" b="0" i="0" u="none" strike="noStrike" dirty="0">
-                <a:solidFill>
-                  <a:srgbClr val="212121"/>
-                </a:solidFill>
-                <a:effectLst/>
-                <a:latin typeface="Aptos" panose="020B0004020202020204" pitchFamily="34" charset="0"/>
-              </a:rPr>
-              <a:t>Not super worried about noise driving effects we see because it’s consistent with T1DAL but still</a:t>
-            </a:r>
+            <a:endParaRPr lang="en-US" dirty="0"/>
           </a:p>
         </p:txBody>
       </p:sp>
@@ -1226,7 +1350,7 @@
     </p:spTree>
     <p:extLst>
       <p:ext uri="{BB962C8B-B14F-4D97-AF65-F5344CB8AC3E}">
-        <p14:creationId xmlns:p14="http://schemas.microsoft.com/office/powerpoint/2010/main" val="1970036607"/>
+        <p14:creationId xmlns:p14="http://schemas.microsoft.com/office/powerpoint/2010/main" val="984357817"/>
       </p:ext>
     </p:extLst>
   </p:cSld>
@@ -1315,6 +1439,45 @@
               <a:tabLst/>
               <a:defRPr/>
             </a:pPr>
+            <a:r>
+              <a:rPr lang="en-US" b="0" dirty="0">
+                <a:sym typeface="Wingdings" pitchFamily="2" charset="2"/>
+              </a:rPr>
+              <a:t>Also considered keeping all seq runs separate and regressing out seq run…</a:t>
+            </a:r>
+            <a:r>
+              <a:rPr lang="en-US" sz="1200" b="0" i="0" u="none" strike="noStrike" dirty="0">
+                <a:solidFill>
+                  <a:schemeClr val="tx1"/>
+                </a:solidFill>
+                <a:effectLst/>
+                <a:latin typeface="+mn-lt"/>
+                <a:sym typeface="Wingdings" pitchFamily="2" charset="2"/>
+              </a:rPr>
+              <a:t> but I think having 2X the points in PCA/UMAP would be misleading, ALTHOUGH I COULD DO THIS FOR non-dim </a:t>
+            </a:r>
+            <a:r>
+              <a:rPr lang="en-US" sz="1200" b="0" i="0" u="none" strike="noStrike" dirty="0" err="1">
+                <a:solidFill>
+                  <a:schemeClr val="tx1"/>
+                </a:solidFill>
+                <a:effectLst/>
+                <a:latin typeface="+mn-lt"/>
+                <a:sym typeface="Wingdings" pitchFamily="2" charset="2"/>
+              </a:rPr>
+              <a:t>reduc</a:t>
+            </a:r>
+            <a:r>
+              <a:rPr lang="en-US" sz="1200" b="0" i="0" u="none" strike="noStrike" dirty="0">
+                <a:solidFill>
+                  <a:schemeClr val="tx1"/>
+                </a:solidFill>
+                <a:effectLst/>
+                <a:latin typeface="+mn-lt"/>
+                <a:sym typeface="Wingdings" pitchFamily="2" charset="2"/>
+              </a:rPr>
+              <a:t> plots (VPs, heatmaps), but I’d like to be consistent and I don’t think it’d matter much anyways…</a:t>
+            </a:r>
             <a:endParaRPr lang="en-US" sz="1200" b="0" i="0" u="none" strike="noStrike" dirty="0">
               <a:solidFill>
                 <a:srgbClr val="212121"/>
@@ -1323,6 +1486,202 @@
               <a:latin typeface="Aptos" panose="020B0004020202020204" pitchFamily="34" charset="0"/>
             </a:endParaRPr>
           </a:p>
+          <a:p>
+            <a:pPr marL="0" marR="0" lvl="0" indent="0" algn="l" defTabSz="914400" rtl="0" eaLnBrk="1" fontAlgn="auto" latinLnBrk="0" hangingPunct="1">
+              <a:lnSpc>
+                <a:spcPct val="100000"/>
+              </a:lnSpc>
+              <a:spcBef>
+                <a:spcPts val="0"/>
+              </a:spcBef>
+              <a:spcAft>
+                <a:spcPts val="0"/>
+              </a:spcAft>
+              <a:buClrTx/>
+              <a:buSzTx/>
+              <a:buFont typeface="+mj-lt"/>
+              <a:buNone/>
+              <a:tabLst/>
+              <a:defRPr/>
+            </a:pPr>
+            <a:endParaRPr lang="en-US" sz="1200" b="0" i="0" u="none" strike="noStrike" dirty="0">
+              <a:solidFill>
+                <a:srgbClr val="212121"/>
+              </a:solidFill>
+              <a:effectLst/>
+              <a:latin typeface="Aptos" panose="020B0004020202020204" pitchFamily="34" charset="0"/>
+            </a:endParaRPr>
+          </a:p>
+          <a:p>
+            <a:pPr marL="0" marR="0" lvl="0" indent="0" algn="l" defTabSz="914400" rtl="0" eaLnBrk="1" fontAlgn="auto" latinLnBrk="0" hangingPunct="1">
+              <a:lnSpc>
+                <a:spcPct val="100000"/>
+              </a:lnSpc>
+              <a:spcBef>
+                <a:spcPts val="0"/>
+              </a:spcBef>
+              <a:spcAft>
+                <a:spcPts val="0"/>
+              </a:spcAft>
+              <a:buClrTx/>
+              <a:buSzTx/>
+              <a:buFont typeface="+mj-lt"/>
+              <a:buNone/>
+              <a:tabLst/>
+              <a:defRPr/>
+            </a:pPr>
+            <a:r>
+              <a:rPr lang="en-US" sz="1200" b="0" i="0" u="none" strike="noStrike" dirty="0">
+                <a:solidFill>
+                  <a:srgbClr val="212121"/>
+                </a:solidFill>
+                <a:effectLst/>
+                <a:latin typeface="Aptos" panose="020B0004020202020204" pitchFamily="34" charset="0"/>
+              </a:rPr>
+              <a:t>Not super worried about noise driving effects we see because it’s consistent with T1DAL but still</a:t>
+            </a:r>
+          </a:p>
+          <a:p>
+            <a:pPr marL="0" marR="0" lvl="0" indent="0" algn="l" defTabSz="914400" rtl="0" eaLnBrk="1" fontAlgn="auto" latinLnBrk="0" hangingPunct="1">
+              <a:lnSpc>
+                <a:spcPct val="100000"/>
+              </a:lnSpc>
+              <a:spcBef>
+                <a:spcPts val="0"/>
+              </a:spcBef>
+              <a:spcAft>
+                <a:spcPts val="0"/>
+              </a:spcAft>
+              <a:buClrTx/>
+              <a:buSzTx/>
+              <a:buFont typeface="+mj-lt"/>
+              <a:buNone/>
+              <a:tabLst/>
+              <a:defRPr/>
+            </a:pPr>
+            <a:endParaRPr lang="en-US" sz="1200" b="0" i="0" u="none" strike="noStrike" dirty="0">
+              <a:solidFill>
+                <a:srgbClr val="212121"/>
+              </a:solidFill>
+              <a:effectLst/>
+              <a:latin typeface="Aptos" panose="020B0004020202020204" pitchFamily="34" charset="0"/>
+            </a:endParaRPr>
+          </a:p>
+          <a:p>
+            <a:pPr marL="0" marR="0" lvl="0" indent="0" algn="l" defTabSz="914400" rtl="0" eaLnBrk="1" fontAlgn="auto" latinLnBrk="0" hangingPunct="1">
+              <a:lnSpc>
+                <a:spcPct val="100000"/>
+              </a:lnSpc>
+              <a:spcBef>
+                <a:spcPts val="0"/>
+              </a:spcBef>
+              <a:spcAft>
+                <a:spcPts val="0"/>
+              </a:spcAft>
+              <a:buClrTx/>
+              <a:buSzTx/>
+              <a:buFont typeface="+mj-lt"/>
+              <a:buNone/>
+              <a:tabLst/>
+              <a:defRPr/>
+            </a:pPr>
+            <a:r>
+              <a:rPr lang="en-US" b="0" dirty="0"/>
+              <a:t>MT genome is 16 kb</a:t>
+            </a:r>
+          </a:p>
+          <a:p>
+            <a:pPr marL="0" marR="0" lvl="0" indent="0" algn="l" defTabSz="914400" rtl="0" eaLnBrk="1" fontAlgn="auto" latinLnBrk="0" hangingPunct="1">
+              <a:lnSpc>
+                <a:spcPct val="100000"/>
+              </a:lnSpc>
+              <a:spcBef>
+                <a:spcPts val="0"/>
+              </a:spcBef>
+              <a:spcAft>
+                <a:spcPts val="0"/>
+              </a:spcAft>
+              <a:buClrTx/>
+              <a:buSzTx/>
+              <a:buFont typeface="+mj-lt"/>
+              <a:buNone/>
+              <a:tabLst/>
+              <a:defRPr/>
+            </a:pPr>
+            <a:r>
+              <a:rPr lang="en-US" b="0" dirty="0"/>
+              <a:t>Mean fragment size (from peak calling output) ~ 540 bp</a:t>
+            </a:r>
+          </a:p>
+          <a:p>
+            <a:pPr marL="0" marR="0" lvl="0" indent="0" algn="l" defTabSz="914400" rtl="0" eaLnBrk="1" fontAlgn="auto" latinLnBrk="0" hangingPunct="1">
+              <a:lnSpc>
+                <a:spcPct val="100000"/>
+              </a:lnSpc>
+              <a:spcBef>
+                <a:spcPts val="0"/>
+              </a:spcBef>
+              <a:spcAft>
+                <a:spcPts val="0"/>
+              </a:spcAft>
+              <a:buClrTx/>
+              <a:buSzTx/>
+              <a:buFont typeface="+mj-lt"/>
+              <a:buNone/>
+              <a:tabLst/>
+              <a:defRPr/>
+            </a:pPr>
+            <a:r>
+              <a:rPr lang="en-US" b="0" dirty="0"/>
+              <a:t>~8 million MT mapping reads per library</a:t>
+            </a:r>
+          </a:p>
+          <a:p>
+            <a:pPr marL="0" marR="0" lvl="0" indent="0" algn="l" defTabSz="914400" rtl="0" eaLnBrk="1" fontAlgn="auto" latinLnBrk="0" hangingPunct="1">
+              <a:lnSpc>
+                <a:spcPct val="100000"/>
+              </a:lnSpc>
+              <a:spcBef>
+                <a:spcPts val="0"/>
+              </a:spcBef>
+              <a:spcAft>
+                <a:spcPts val="0"/>
+              </a:spcAft>
+              <a:buClrTx/>
+              <a:buSzTx/>
+              <a:buFont typeface="+mj-lt"/>
+              <a:buNone/>
+              <a:tabLst/>
+              <a:defRPr/>
+            </a:pPr>
+            <a:r>
+              <a:rPr lang="en-US" b="0" dirty="0"/>
+              <a:t>min reads at a pos to call it: 20 (shouldn’t matter, min reads across vars is ~2k), min var reads at pos: 4 (2 from each strand)</a:t>
+            </a:r>
+          </a:p>
+          <a:p>
+            <a:pPr marL="0" marR="0" lvl="0" indent="0" algn="l" defTabSz="914400" rtl="0" eaLnBrk="1" fontAlgn="auto" latinLnBrk="0" hangingPunct="1">
+              <a:lnSpc>
+                <a:spcPct val="100000"/>
+              </a:lnSpc>
+              <a:spcBef>
+                <a:spcPts val="0"/>
+              </a:spcBef>
+              <a:spcAft>
+                <a:spcPts val="0"/>
+              </a:spcAft>
+              <a:buClrTx/>
+              <a:buSzTx/>
+              <a:buFont typeface="+mj-lt"/>
+              <a:buNone/>
+              <a:tabLst/>
+              <a:defRPr/>
+            </a:pPr>
+            <a:r>
+              <a:rPr lang="en-US" b="0" dirty="0"/>
+              <a:t>vars not uniformly distributed in genome...</a:t>
+            </a:r>
+          </a:p>
         </p:txBody>
       </p:sp>
       <p:sp>
@@ -1357,7 +1716,496 @@
     </p:spTree>
     <p:extLst>
       <p:ext uri="{BB962C8B-B14F-4D97-AF65-F5344CB8AC3E}">
+        <p14:creationId xmlns:p14="http://schemas.microsoft.com/office/powerpoint/2010/main" val="1970036607"/>
+      </p:ext>
+    </p:extLst>
+  </p:cSld>
+  <p:clrMapOvr>
+    <a:masterClrMapping/>
+  </p:clrMapOvr>
+</p:notes>
+</file>
+
+<file path=ppt/notesSlides/notesSlide16.xml><?xml version="1.0" encoding="utf-8"?>
+<p:notes xmlns:a="http://schemas.openxmlformats.org/drawingml/2006/main" xmlns:r="http://schemas.openxmlformats.org/officeDocument/2006/relationships" xmlns:p="http://schemas.openxmlformats.org/presentationml/2006/main">
+  <p:cSld>
+    <p:spTree>
+      <p:nvGrpSpPr>
+        <p:cNvPr id="1" name="">
+          <a:extLst>
+            <a:ext uri="{FF2B5EF4-FFF2-40B4-BE49-F238E27FC236}">
+              <a16:creationId xmlns:a16="http://schemas.microsoft.com/office/drawing/2014/main" id="{3415C166-0F50-E043-8950-9F266C4565AE}"/>
+            </a:ext>
+          </a:extLst>
+        </p:cNvPr>
+        <p:cNvGrpSpPr/>
+        <p:nvPr/>
+      </p:nvGrpSpPr>
+      <p:grpSpPr>
+        <a:xfrm>
+          <a:off x="0" y="0"/>
+          <a:ext cx="0" cy="0"/>
+          <a:chOff x="0" y="0"/>
+          <a:chExt cx="0" cy="0"/>
+        </a:xfrm>
+      </p:grpSpPr>
+      <p:sp>
+        <p:nvSpPr>
+          <p:cNvPr id="2" name="Slide Image Placeholder 1">
+            <a:extLst>
+              <a:ext uri="{FF2B5EF4-FFF2-40B4-BE49-F238E27FC236}">
+                <a16:creationId xmlns:a16="http://schemas.microsoft.com/office/drawing/2014/main" id="{1E497E09-6D11-D0BA-D2D1-5B08FB997731}"/>
+              </a:ext>
+            </a:extLst>
+          </p:cNvPr>
+          <p:cNvSpPr>
+            <a:spLocks noGrp="1" noRot="1" noChangeAspect="1"/>
+          </p:cNvSpPr>
+          <p:nvPr>
+            <p:ph type="sldImg"/>
+          </p:nvPr>
+        </p:nvSpPr>
+        <p:spPr/>
+      </p:sp>
+      <p:sp>
+        <p:nvSpPr>
+          <p:cNvPr id="3" name="Notes Placeholder 2">
+            <a:extLst>
+              <a:ext uri="{FF2B5EF4-FFF2-40B4-BE49-F238E27FC236}">
+                <a16:creationId xmlns:a16="http://schemas.microsoft.com/office/drawing/2014/main" id="{9336C4A5-58A4-D062-54A6-1D67A978E992}"/>
+              </a:ext>
+            </a:extLst>
+          </p:cNvPr>
+          <p:cNvSpPr>
+            <a:spLocks noGrp="1"/>
+          </p:cNvSpPr>
+          <p:nvPr>
+            <p:ph type="body" idx="1"/>
+          </p:nvPr>
+        </p:nvSpPr>
+        <p:spPr/>
+        <p:txBody>
+          <a:bodyPr/>
+          <a:lstStyle/>
+          <a:p>
+            <a:pPr marL="0" marR="0" lvl="0" indent="0" algn="l" defTabSz="914400" rtl="0" eaLnBrk="1" fontAlgn="auto" latinLnBrk="0" hangingPunct="1">
+              <a:lnSpc>
+                <a:spcPct val="100000"/>
+              </a:lnSpc>
+              <a:spcBef>
+                <a:spcPts val="0"/>
+              </a:spcBef>
+              <a:spcAft>
+                <a:spcPts val="0"/>
+              </a:spcAft>
+              <a:buClrTx/>
+              <a:buSzTx/>
+              <a:buFont typeface="+mj-lt"/>
+              <a:buNone/>
+              <a:tabLst/>
+              <a:defRPr/>
+            </a:pPr>
+            <a:r>
+              <a:rPr lang="en-US" dirty="0"/>
+              <a:t>I guess I don't really have any evidence for DP CD127+ splitting off... it could still be parent to other DPs and blocking IL7R doesn't kill cells (OR DOES LACK OF IL7 MAINTAINCE LEAD TO DEATH?) it would just make it as if they were CD127-...</a:t>
+            </a:r>
+          </a:p>
+          <a:p>
+            <a:pPr marL="0" marR="0" lvl="0" indent="0" algn="l" defTabSz="914400" rtl="0" eaLnBrk="1" fontAlgn="auto" latinLnBrk="0" hangingPunct="1">
+              <a:lnSpc>
+                <a:spcPct val="100000"/>
+              </a:lnSpc>
+              <a:spcBef>
+                <a:spcPts val="0"/>
+              </a:spcBef>
+              <a:spcAft>
+                <a:spcPts val="0"/>
+              </a:spcAft>
+              <a:buClrTx/>
+              <a:buSzTx/>
+              <a:buFont typeface="+mj-lt"/>
+              <a:buNone/>
+              <a:tabLst/>
+              <a:defRPr/>
+            </a:pPr>
+            <a:endParaRPr lang="en-US" dirty="0"/>
+          </a:p>
+          <a:p>
+            <a:pPr marL="0" marR="0" lvl="0" indent="0" algn="l" defTabSz="914400" rtl="0" eaLnBrk="1" fontAlgn="auto" latinLnBrk="0" hangingPunct="1">
+              <a:lnSpc>
+                <a:spcPct val="100000"/>
+              </a:lnSpc>
+              <a:spcBef>
+                <a:spcPts val="0"/>
+              </a:spcBef>
+              <a:spcAft>
+                <a:spcPts val="0"/>
+              </a:spcAft>
+              <a:buClrTx/>
+              <a:buSzTx/>
+              <a:buFont typeface="+mj-lt"/>
+              <a:buNone/>
+              <a:tabLst/>
+              <a:defRPr/>
+            </a:pPr>
+            <a:r>
+              <a:rPr lang="en-US" dirty="0"/>
+              <a:t>Role of IL-7 in T cell survival (of naïve T cells) not enough to propose bifurcation over linear path I don’t think</a:t>
+            </a:r>
+          </a:p>
+          <a:p>
+            <a:pPr marL="0" marR="0" lvl="0" indent="0" algn="l" defTabSz="914400" rtl="0" eaLnBrk="1" fontAlgn="auto" latinLnBrk="0" hangingPunct="1">
+              <a:lnSpc>
+                <a:spcPct val="100000"/>
+              </a:lnSpc>
+              <a:spcBef>
+                <a:spcPts val="0"/>
+              </a:spcBef>
+              <a:spcAft>
+                <a:spcPts val="0"/>
+              </a:spcAft>
+              <a:buClrTx/>
+              <a:buSzTx/>
+              <a:buFont typeface="+mj-lt"/>
+              <a:buNone/>
+              <a:tabLst/>
+              <a:defRPr/>
+            </a:pPr>
+            <a:endParaRPr lang="en-US" dirty="0"/>
+          </a:p>
+          <a:p>
+            <a:pPr marL="0" marR="0" lvl="0" indent="0" algn="l" defTabSz="914400" rtl="0" eaLnBrk="1" fontAlgn="auto" latinLnBrk="0" hangingPunct="1">
+              <a:lnSpc>
+                <a:spcPct val="100000"/>
+              </a:lnSpc>
+              <a:spcBef>
+                <a:spcPts val="0"/>
+              </a:spcBef>
+              <a:spcAft>
+                <a:spcPts val="0"/>
+              </a:spcAft>
+              <a:buClrTx/>
+              <a:buSzTx/>
+              <a:buFont typeface="+mj-lt"/>
+              <a:buNone/>
+              <a:tabLst/>
+              <a:defRPr/>
+            </a:pPr>
+            <a:r>
+              <a:rPr lang="en-US" dirty="0"/>
+              <a:t>heterogeneity in association w/ response, does a linear path make sense with this? possibly…</a:t>
+            </a:r>
+          </a:p>
+        </p:txBody>
+      </p:sp>
+      <p:sp>
+        <p:nvSpPr>
+          <p:cNvPr id="4" name="Slide Number Placeholder 3">
+            <a:extLst>
+              <a:ext uri="{FF2B5EF4-FFF2-40B4-BE49-F238E27FC236}">
+                <a16:creationId xmlns:a16="http://schemas.microsoft.com/office/drawing/2014/main" id="{9F3FD3E1-ECA8-7789-76B9-A150DB6276EE}"/>
+              </a:ext>
+            </a:extLst>
+          </p:cNvPr>
+          <p:cNvSpPr>
+            <a:spLocks noGrp="1"/>
+          </p:cNvSpPr>
+          <p:nvPr>
+            <p:ph type="sldNum" sz="quarter" idx="5"/>
+          </p:nvPr>
+        </p:nvSpPr>
+        <p:spPr/>
+        <p:txBody>
+          <a:bodyPr/>
+          <a:lstStyle/>
+          <a:p>
+            <a:fld id="{061BAA8C-FDC6-D345-B4E0-3B02449209FB}" type="slidenum">
+              <a:rPr lang="en-US" smtClean="0"/>
+              <a:t>16</a:t>
+            </a:fld>
+            <a:endParaRPr lang="en-US"/>
+          </a:p>
+        </p:txBody>
+      </p:sp>
+    </p:spTree>
+    <p:extLst>
+      <p:ext uri="{BB962C8B-B14F-4D97-AF65-F5344CB8AC3E}">
+        <p14:creationId xmlns:p14="http://schemas.microsoft.com/office/powerpoint/2010/main" val="1889006113"/>
+      </p:ext>
+    </p:extLst>
+  </p:cSld>
+  <p:clrMapOvr>
+    <a:masterClrMapping/>
+  </p:clrMapOvr>
+</p:notes>
+</file>
+
+<file path=ppt/notesSlides/notesSlide17.xml><?xml version="1.0" encoding="utf-8"?>
+<p:notes xmlns:a="http://schemas.openxmlformats.org/drawingml/2006/main" xmlns:r="http://schemas.openxmlformats.org/officeDocument/2006/relationships" xmlns:p="http://schemas.openxmlformats.org/presentationml/2006/main">
+  <p:cSld>
+    <p:spTree>
+      <p:nvGrpSpPr>
+        <p:cNvPr id="1" name="">
+          <a:extLst>
+            <a:ext uri="{FF2B5EF4-FFF2-40B4-BE49-F238E27FC236}">
+              <a16:creationId xmlns:a16="http://schemas.microsoft.com/office/drawing/2014/main" id="{3415C166-0F50-E043-8950-9F266C4565AE}"/>
+            </a:ext>
+          </a:extLst>
+        </p:cNvPr>
+        <p:cNvGrpSpPr/>
+        <p:nvPr/>
+      </p:nvGrpSpPr>
+      <p:grpSpPr>
+        <a:xfrm>
+          <a:off x="0" y="0"/>
+          <a:ext cx="0" cy="0"/>
+          <a:chOff x="0" y="0"/>
+          <a:chExt cx="0" cy="0"/>
+        </a:xfrm>
+      </p:grpSpPr>
+      <p:sp>
+        <p:nvSpPr>
+          <p:cNvPr id="2" name="Slide Image Placeholder 1">
+            <a:extLst>
+              <a:ext uri="{FF2B5EF4-FFF2-40B4-BE49-F238E27FC236}">
+                <a16:creationId xmlns:a16="http://schemas.microsoft.com/office/drawing/2014/main" id="{1E497E09-6D11-D0BA-D2D1-5B08FB997731}"/>
+              </a:ext>
+            </a:extLst>
+          </p:cNvPr>
+          <p:cNvSpPr>
+            <a:spLocks noGrp="1" noRot="1" noChangeAspect="1"/>
+          </p:cNvSpPr>
+          <p:nvPr>
+            <p:ph type="sldImg"/>
+          </p:nvPr>
+        </p:nvSpPr>
+        <p:spPr/>
+      </p:sp>
+      <p:sp>
+        <p:nvSpPr>
+          <p:cNvPr id="3" name="Notes Placeholder 2">
+            <a:extLst>
+              <a:ext uri="{FF2B5EF4-FFF2-40B4-BE49-F238E27FC236}">
+                <a16:creationId xmlns:a16="http://schemas.microsoft.com/office/drawing/2014/main" id="{9336C4A5-58A4-D062-54A6-1D67A978E992}"/>
+              </a:ext>
+            </a:extLst>
+          </p:cNvPr>
+          <p:cNvSpPr>
+            <a:spLocks noGrp="1"/>
+          </p:cNvSpPr>
+          <p:nvPr>
+            <p:ph type="body" idx="1"/>
+          </p:nvPr>
+        </p:nvSpPr>
+        <p:spPr/>
+        <p:txBody>
+          <a:bodyPr/>
+          <a:lstStyle/>
+          <a:p>
+            <a:pPr marL="0" marR="0" lvl="0" indent="0" algn="l" defTabSz="914400" rtl="0" eaLnBrk="1" fontAlgn="auto" latinLnBrk="0" hangingPunct="1">
+              <a:lnSpc>
+                <a:spcPct val="100000"/>
+              </a:lnSpc>
+              <a:spcBef>
+                <a:spcPts val="0"/>
+              </a:spcBef>
+              <a:spcAft>
+                <a:spcPts val="0"/>
+              </a:spcAft>
+              <a:buClrTx/>
+              <a:buSzTx/>
+              <a:buFont typeface="+mj-lt"/>
+              <a:buNone/>
+              <a:tabLst/>
+              <a:defRPr/>
+            </a:pPr>
+            <a:endParaRPr lang="en-US" sz="1200" b="0" i="0" u="none" strike="noStrike" dirty="0">
+              <a:solidFill>
+                <a:srgbClr val="212121"/>
+              </a:solidFill>
+              <a:effectLst/>
+              <a:latin typeface="Aptos" panose="020B0004020202020204" pitchFamily="34" charset="0"/>
+            </a:endParaRPr>
+          </a:p>
+        </p:txBody>
+      </p:sp>
+      <p:sp>
+        <p:nvSpPr>
+          <p:cNvPr id="4" name="Slide Number Placeholder 3">
+            <a:extLst>
+              <a:ext uri="{FF2B5EF4-FFF2-40B4-BE49-F238E27FC236}">
+                <a16:creationId xmlns:a16="http://schemas.microsoft.com/office/drawing/2014/main" id="{9F3FD3E1-ECA8-7789-76B9-A150DB6276EE}"/>
+              </a:ext>
+            </a:extLst>
+          </p:cNvPr>
+          <p:cNvSpPr>
+            <a:spLocks noGrp="1"/>
+          </p:cNvSpPr>
+          <p:nvPr>
+            <p:ph type="sldNum" sz="quarter" idx="5"/>
+          </p:nvPr>
+        </p:nvSpPr>
+        <p:spPr/>
+        <p:txBody>
+          <a:bodyPr/>
+          <a:lstStyle/>
+          <a:p>
+            <a:fld id="{061BAA8C-FDC6-D345-B4E0-3B02449209FB}" type="slidenum">
+              <a:rPr lang="en-US" smtClean="0"/>
+              <a:t>17</a:t>
+            </a:fld>
+            <a:endParaRPr lang="en-US"/>
+          </a:p>
+        </p:txBody>
+      </p:sp>
+    </p:spTree>
+    <p:extLst>
+      <p:ext uri="{BB962C8B-B14F-4D97-AF65-F5344CB8AC3E}">
         <p14:creationId xmlns:p14="http://schemas.microsoft.com/office/powerpoint/2010/main" val="1103328013"/>
+      </p:ext>
+    </p:extLst>
+  </p:cSld>
+  <p:clrMapOvr>
+    <a:masterClrMapping/>
+  </p:clrMapOvr>
+</p:notes>
+</file>
+
+<file path=ppt/notesSlides/notesSlide18.xml><?xml version="1.0" encoding="utf-8"?>
+<p:notes xmlns:a="http://schemas.openxmlformats.org/drawingml/2006/main" xmlns:r="http://schemas.openxmlformats.org/officeDocument/2006/relationships" xmlns:p="http://schemas.openxmlformats.org/presentationml/2006/main">
+  <p:cSld>
+    <p:spTree>
+      <p:nvGrpSpPr>
+        <p:cNvPr id="1" name="">
+          <a:extLst>
+            <a:ext uri="{FF2B5EF4-FFF2-40B4-BE49-F238E27FC236}">
+              <a16:creationId xmlns:a16="http://schemas.microsoft.com/office/drawing/2014/main" id="{3415C166-0F50-E043-8950-9F266C4565AE}"/>
+            </a:ext>
+          </a:extLst>
+        </p:cNvPr>
+        <p:cNvGrpSpPr/>
+        <p:nvPr/>
+      </p:nvGrpSpPr>
+      <p:grpSpPr>
+        <a:xfrm>
+          <a:off x="0" y="0"/>
+          <a:ext cx="0" cy="0"/>
+          <a:chOff x="0" y="0"/>
+          <a:chExt cx="0" cy="0"/>
+        </a:xfrm>
+      </p:grpSpPr>
+      <p:sp>
+        <p:nvSpPr>
+          <p:cNvPr id="2" name="Slide Image Placeholder 1">
+            <a:extLst>
+              <a:ext uri="{FF2B5EF4-FFF2-40B4-BE49-F238E27FC236}">
+                <a16:creationId xmlns:a16="http://schemas.microsoft.com/office/drawing/2014/main" id="{1E497E09-6D11-D0BA-D2D1-5B08FB997731}"/>
+              </a:ext>
+            </a:extLst>
+          </p:cNvPr>
+          <p:cNvSpPr>
+            <a:spLocks noGrp="1" noRot="1" noChangeAspect="1"/>
+          </p:cNvSpPr>
+          <p:nvPr>
+            <p:ph type="sldImg"/>
+          </p:nvPr>
+        </p:nvSpPr>
+        <p:spPr/>
+      </p:sp>
+      <p:sp>
+        <p:nvSpPr>
+          <p:cNvPr id="3" name="Notes Placeholder 2">
+            <a:extLst>
+              <a:ext uri="{FF2B5EF4-FFF2-40B4-BE49-F238E27FC236}">
+                <a16:creationId xmlns:a16="http://schemas.microsoft.com/office/drawing/2014/main" id="{9336C4A5-58A4-D062-54A6-1D67A978E992}"/>
+              </a:ext>
+            </a:extLst>
+          </p:cNvPr>
+          <p:cNvSpPr>
+            <a:spLocks noGrp="1"/>
+          </p:cNvSpPr>
+          <p:nvPr>
+            <p:ph type="body" idx="1"/>
+          </p:nvPr>
+        </p:nvSpPr>
+        <p:spPr/>
+        <p:txBody>
+          <a:bodyPr/>
+          <a:lstStyle/>
+          <a:p>
+            <a:pPr marL="0" marR="0" lvl="0" indent="0" algn="l" defTabSz="914400" rtl="0" eaLnBrk="1" fontAlgn="auto" latinLnBrk="0" hangingPunct="1">
+              <a:lnSpc>
+                <a:spcPct val="100000"/>
+              </a:lnSpc>
+              <a:spcBef>
+                <a:spcPts val="0"/>
+              </a:spcBef>
+              <a:spcAft>
+                <a:spcPts val="0"/>
+              </a:spcAft>
+              <a:buClrTx/>
+              <a:buSzTx/>
+              <a:buFont typeface="+mj-lt"/>
+              <a:buNone/>
+              <a:tabLst/>
+              <a:defRPr/>
+            </a:pPr>
+            <a:r>
+              <a:rPr lang="en-US" sz="1200" b="0" i="0" u="none" strike="noStrike" dirty="0" err="1">
+                <a:solidFill>
+                  <a:srgbClr val="212121"/>
+                </a:solidFill>
+                <a:effectLst/>
+                <a:latin typeface="Aptos" panose="020B0004020202020204" pitchFamily="34" charset="0"/>
+              </a:rPr>
+              <a:t>donorId</a:t>
+            </a:r>
+            <a:r>
+              <a:rPr lang="en-US" sz="1200" b="0" i="0" u="none" strike="noStrike" dirty="0">
+                <a:solidFill>
+                  <a:srgbClr val="212121"/>
+                </a:solidFill>
+                <a:effectLst/>
+                <a:latin typeface="Aptos" panose="020B0004020202020204" pitchFamily="34" charset="0"/>
+              </a:rPr>
+              <a:t> and sort regressed out here</a:t>
+            </a:r>
+          </a:p>
+        </p:txBody>
+      </p:sp>
+      <p:sp>
+        <p:nvSpPr>
+          <p:cNvPr id="4" name="Slide Number Placeholder 3">
+            <a:extLst>
+              <a:ext uri="{FF2B5EF4-FFF2-40B4-BE49-F238E27FC236}">
+                <a16:creationId xmlns:a16="http://schemas.microsoft.com/office/drawing/2014/main" id="{9F3FD3E1-ECA8-7789-76B9-A150DB6276EE}"/>
+              </a:ext>
+            </a:extLst>
+          </p:cNvPr>
+          <p:cNvSpPr>
+            <a:spLocks noGrp="1"/>
+          </p:cNvSpPr>
+          <p:nvPr>
+            <p:ph type="sldNum" sz="quarter" idx="5"/>
+          </p:nvPr>
+        </p:nvSpPr>
+        <p:spPr/>
+        <p:txBody>
+          <a:bodyPr/>
+          <a:lstStyle/>
+          <a:p>
+            <a:fld id="{061BAA8C-FDC6-D345-B4E0-3B02449209FB}" type="slidenum">
+              <a:rPr lang="en-US" smtClean="0"/>
+              <a:t>18</a:t>
+            </a:fld>
+            <a:endParaRPr lang="en-US"/>
+          </a:p>
+        </p:txBody>
+      </p:sp>
+    </p:spTree>
+    <p:extLst>
+      <p:ext uri="{BB962C8B-B14F-4D97-AF65-F5344CB8AC3E}">
+        <p14:creationId xmlns:p14="http://schemas.microsoft.com/office/powerpoint/2010/main" val="929257498"/>
       </p:ext>
     </p:extLst>
   </p:cSld>
@@ -1815,21 +2663,59 @@
             </a:pPr>
             <a:r>
               <a:rPr lang="en-US" dirty="0"/>
-              <a:t>I think these are both from </a:t>
-            </a:r>
-            <a:r>
-              <a:rPr lang="en-US"/>
-              <a:t>2</a:t>
-            </a:r>
-            <a:r>
-              <a:rPr lang="en-US" baseline="30000"/>
-              <a:t>nd</a:t>
-            </a:r>
-            <a:r>
-              <a:rPr lang="en-US"/>
-              <a:t> lowest min_var_freq</a:t>
-            </a:r>
+              <a:t>Both made using lowest </a:t>
+            </a:r>
+            <a:r>
+              <a:rPr lang="en-US" dirty="0" err="1"/>
+              <a:t>min_var_freq</a:t>
+            </a:r>
+            <a:r>
+              <a:rPr lang="en-US" dirty="0"/>
+              <a:t> 0.001</a:t>
+            </a:r>
+          </a:p>
+          <a:p>
+            <a:pPr marL="0" marR="0" lvl="0" indent="0" algn="l" defTabSz="914400" rtl="0" eaLnBrk="1" fontAlgn="auto" latinLnBrk="0" hangingPunct="1">
+              <a:lnSpc>
+                <a:spcPct val="100000"/>
+              </a:lnSpc>
+              <a:spcBef>
+                <a:spcPts val="0"/>
+              </a:spcBef>
+              <a:spcAft>
+                <a:spcPts val="0"/>
+              </a:spcAft>
+              <a:buClrTx/>
+              <a:buSzTx/>
+              <a:buFont typeface="+mj-lt"/>
+              <a:buNone/>
+              <a:tabLst/>
+              <a:defRPr/>
+            </a:pPr>
             <a:endParaRPr lang="en-US" dirty="0"/>
+          </a:p>
+          <a:p>
+            <a:pPr marL="0" marR="0" lvl="0" indent="0" algn="l" defTabSz="914400" rtl="0" eaLnBrk="1" fontAlgn="auto" latinLnBrk="0" hangingPunct="1">
+              <a:lnSpc>
+                <a:spcPct val="100000"/>
+              </a:lnSpc>
+              <a:spcBef>
+                <a:spcPts val="0"/>
+              </a:spcBef>
+              <a:spcAft>
+                <a:spcPts val="0"/>
+              </a:spcAft>
+              <a:buClrTx/>
+              <a:buSzTx/>
+              <a:buFont typeface="+mj-lt"/>
+              <a:buNone/>
+              <a:tabLst/>
+              <a:defRPr/>
+            </a:pPr>
+            <a:r>
+              <a:rPr lang="en-US" b="1" dirty="0"/>
+              <a:t>High MT var sharing between donors 005008 ad 007021 perhaps evidence for sample swaps?</a:t>
+            </a:r>
           </a:p>
         </p:txBody>
       </p:sp>
@@ -2042,7 +2928,7 @@
             </a:pPr>
             <a:r>
               <a:rPr lang="en-US" dirty="0"/>
-              <a:t>Most seq fragments are ~100 bp (next most ~200 bp)</a:t>
+              <a:t>Mean fragment size (from peak calling output) ~ 540 bp</a:t>
             </a:r>
           </a:p>
           <a:p>
@@ -2089,6 +2975,29 @@
             <a:r>
               <a:rPr lang="en-US" dirty="0"/>
               <a:t>min reads at a pos to call it: 20 (shouldn’t matter, min reads across vars is ~2k), min var reads at pos: 4 (2 from each strand)</a:t>
+            </a:r>
+          </a:p>
+          <a:p>
+            <a:pPr marL="0" marR="0" lvl="0" indent="0" algn="l" defTabSz="914400" rtl="0" eaLnBrk="1" fontAlgn="auto" latinLnBrk="0" hangingPunct="1">
+              <a:lnSpc>
+                <a:spcPct val="100000"/>
+              </a:lnSpc>
+              <a:spcBef>
+                <a:spcPts val="0"/>
+              </a:spcBef>
+              <a:spcAft>
+                <a:spcPts val="0"/>
+              </a:spcAft>
+              <a:buClrTx/>
+              <a:buSzTx/>
+              <a:buFont typeface="+mj-lt"/>
+              <a:buNone/>
+              <a:tabLst/>
+              <a:defRPr/>
+            </a:pPr>
+            <a:r>
+              <a:rPr lang="en-US" dirty="0"/>
+              <a:t>vars not uniformly distributed in genome...</a:t>
             </a:r>
           </a:p>
         </p:txBody>
@@ -2697,7 +3606,7 @@
           <a:p>
             <a:fld id="{80FC6068-BAFB-FC44-B9D8-F4B3BB105DE6}" type="datetimeFigureOut">
               <a:rPr lang="en-US" smtClean="0"/>
-              <a:t>8/12/24</a:t>
+              <a:t>8/14/24</a:t>
             </a:fld>
             <a:endParaRPr lang="en-US"/>
           </a:p>
@@ -2895,7 +3804,7 @@
           <a:p>
             <a:fld id="{80FC6068-BAFB-FC44-B9D8-F4B3BB105DE6}" type="datetimeFigureOut">
               <a:rPr lang="en-US" smtClean="0"/>
-              <a:t>8/12/24</a:t>
+              <a:t>8/14/24</a:t>
             </a:fld>
             <a:endParaRPr lang="en-US"/>
           </a:p>
@@ -3103,7 +4012,7 @@
           <a:p>
             <a:fld id="{80FC6068-BAFB-FC44-B9D8-F4B3BB105DE6}" type="datetimeFigureOut">
               <a:rPr lang="en-US" smtClean="0"/>
-              <a:t>8/12/24</a:t>
+              <a:t>8/14/24</a:t>
             </a:fld>
             <a:endParaRPr lang="en-US"/>
           </a:p>
@@ -3307,7 +4216,7 @@
           <a:p>
             <a:fld id="{80FC6068-BAFB-FC44-B9D8-F4B3BB105DE6}" type="datetimeFigureOut">
               <a:rPr lang="en-US" smtClean="0"/>
-              <a:t>8/12/24</a:t>
+              <a:t>8/14/24</a:t>
             </a:fld>
             <a:endParaRPr lang="en-US"/>
           </a:p>
@@ -3598,7 +4507,7 @@
           <a:p>
             <a:fld id="{80FC6068-BAFB-FC44-B9D8-F4B3BB105DE6}" type="datetimeFigureOut">
               <a:rPr lang="en-US" smtClean="0"/>
-              <a:t>8/12/24</a:t>
+              <a:t>8/14/24</a:t>
             </a:fld>
             <a:endParaRPr lang="en-US"/>
           </a:p>
@@ -3863,7 +4772,7 @@
           <a:p>
             <a:fld id="{80FC6068-BAFB-FC44-B9D8-F4B3BB105DE6}" type="datetimeFigureOut">
               <a:rPr lang="en-US" smtClean="0"/>
-              <a:t>8/12/24</a:t>
+              <a:t>8/14/24</a:t>
             </a:fld>
             <a:endParaRPr lang="en-US"/>
           </a:p>
@@ -4275,7 +5184,7 @@
           <a:p>
             <a:fld id="{80FC6068-BAFB-FC44-B9D8-F4B3BB105DE6}" type="datetimeFigureOut">
               <a:rPr lang="en-US" smtClean="0"/>
-              <a:t>8/12/24</a:t>
+              <a:t>8/14/24</a:t>
             </a:fld>
             <a:endParaRPr lang="en-US"/>
           </a:p>
@@ -4416,7 +5325,7 @@
           <a:p>
             <a:fld id="{80FC6068-BAFB-FC44-B9D8-F4B3BB105DE6}" type="datetimeFigureOut">
               <a:rPr lang="en-US" smtClean="0"/>
-              <a:t>8/12/24</a:t>
+              <a:t>8/14/24</a:t>
             </a:fld>
             <a:endParaRPr lang="en-US"/>
           </a:p>
@@ -4529,7 +5438,7 @@
           <a:p>
             <a:fld id="{80FC6068-BAFB-FC44-B9D8-F4B3BB105DE6}" type="datetimeFigureOut">
               <a:rPr lang="en-US" smtClean="0"/>
-              <a:t>8/12/24</a:t>
+              <a:t>8/14/24</a:t>
             </a:fld>
             <a:endParaRPr lang="en-US"/>
           </a:p>
@@ -4840,7 +5749,7 @@
           <a:p>
             <a:fld id="{80FC6068-BAFB-FC44-B9D8-F4B3BB105DE6}" type="datetimeFigureOut">
               <a:rPr lang="en-US" smtClean="0"/>
-              <a:t>8/12/24</a:t>
+              <a:t>8/14/24</a:t>
             </a:fld>
             <a:endParaRPr lang="en-US"/>
           </a:p>
@@ -5128,7 +6037,7 @@
           <a:p>
             <a:fld id="{80FC6068-BAFB-FC44-B9D8-F4B3BB105DE6}" type="datetimeFigureOut">
               <a:rPr lang="en-US" smtClean="0"/>
-              <a:t>8/12/24</a:t>
+              <a:t>8/14/24</a:t>
             </a:fld>
             <a:endParaRPr lang="en-US"/>
           </a:p>
@@ -5369,7 +6278,7 @@
           <a:p>
             <a:fld id="{80FC6068-BAFB-FC44-B9D8-F4B3BB105DE6}" type="datetimeFigureOut">
               <a:rPr lang="en-US" smtClean="0"/>
-              <a:t>8/12/24</a:t>
+              <a:t>8/14/24</a:t>
             </a:fld>
             <a:endParaRPr lang="en-US"/>
           </a:p>
@@ -6060,7 +6969,15 @@
           <a:p>
             <a:r>
               <a:rPr lang="en-US" dirty="0"/>
-              <a:t>Epigenetics look very similar across seq batches (AA_ </a:t>
+              <a:t>Epigenetics within </a:t>
+            </a:r>
+            <a:r>
+              <a:rPr lang="en-US" dirty="0" err="1"/>
+              <a:t>libids</a:t>
+            </a:r>
+            <a:r>
+              <a:rPr lang="en-US" dirty="0"/>
+              <a:t> look very similar across seq batches (AA_ </a:t>
             </a:r>
             <a:r>
               <a:rPr lang="en-US" dirty="0" err="1"/>
@@ -6103,6 +7020,49 @@
           </a:prstGeom>
         </p:spPr>
       </p:pic>
+      <p:sp>
+        <p:nvSpPr>
+          <p:cNvPr id="3" name="TextBox 2">
+            <a:extLst>
+              <a:ext uri="{FF2B5EF4-FFF2-40B4-BE49-F238E27FC236}">
+                <a16:creationId xmlns:a16="http://schemas.microsoft.com/office/drawing/2014/main" id="{E15F7BF3-EB42-408D-3365-20E3D87B677B}"/>
+              </a:ext>
+            </a:extLst>
+          </p:cNvPr>
+          <p:cNvSpPr txBox="1"/>
+          <p:nvPr/>
+        </p:nvSpPr>
+        <p:spPr>
+          <a:xfrm>
+            <a:off x="7906328" y="5624944"/>
+            <a:ext cx="3352800" cy="923330"/>
+          </a:xfrm>
+          <a:prstGeom prst="rect">
+            <a:avLst/>
+          </a:prstGeom>
+          <a:noFill/>
+        </p:spPr>
+        <p:txBody>
+          <a:bodyPr wrap="square" rtlCol="0">
+            <a:spAutoFit/>
+          </a:bodyPr>
+          <a:lstStyle/>
+          <a:p>
+            <a:r>
+              <a:rPr lang="en-US" dirty="0"/>
+              <a:t> - so I merged alignment files by </a:t>
+            </a:r>
+            <a:r>
+              <a:rPr lang="en-US" dirty="0" err="1"/>
+              <a:t>libid</a:t>
+            </a:r>
+            <a:r>
+              <a:rPr lang="en-US" dirty="0"/>
+              <a:t> and then called peaks on those merged alignment files</a:t>
+            </a:r>
+          </a:p>
+        </p:txBody>
+      </p:sp>
     </p:spTree>
     <p:extLst>
       <p:ext uri="{BB962C8B-B14F-4D97-AF65-F5344CB8AC3E}">
@@ -6141,147 +7101,117 @@
       </p:grpSpPr>
       <p:sp>
         <p:nvSpPr>
-          <p:cNvPr id="2" name="Content Placeholder 2">
-            <a:extLst>
-              <a:ext uri="{FF2B5EF4-FFF2-40B4-BE49-F238E27FC236}">
-                <a16:creationId xmlns:a16="http://schemas.microsoft.com/office/drawing/2014/main" id="{090FDFCF-AEFD-6D7B-6B89-12A07B49703B}"/>
-              </a:ext>
-            </a:extLst>
-          </p:cNvPr>
-          <p:cNvSpPr>
-            <a:spLocks noGrp="1"/>
-          </p:cNvSpPr>
-          <p:nvPr>
-            <p:ph idx="1"/>
-          </p:nvPr>
-        </p:nvSpPr>
+          <p:cNvPr id="19" name="Title 18">
+            <a:extLst>
+              <a:ext uri="{FF2B5EF4-FFF2-40B4-BE49-F238E27FC236}">
+                <a16:creationId xmlns:a16="http://schemas.microsoft.com/office/drawing/2014/main" id="{2E1D3897-0B4F-3F71-986E-0E74B181F848}"/>
+              </a:ext>
+            </a:extLst>
+          </p:cNvPr>
+          <p:cNvSpPr>
+            <a:spLocks noGrp="1"/>
+          </p:cNvSpPr>
+          <p:nvPr>
+            <p:ph type="title"/>
+          </p:nvPr>
+        </p:nvSpPr>
+        <p:spPr/>
+        <p:txBody>
+          <a:bodyPr/>
+          <a:lstStyle/>
+          <a:p>
+            <a:r>
+              <a:rPr lang="en-US" dirty="0"/>
+              <a:t>UMAP with </a:t>
+            </a:r>
+            <a:r>
+              <a:rPr lang="en-US" dirty="0" err="1"/>
+              <a:t>reseq</a:t>
+            </a:r>
+            <a:r>
+              <a:rPr lang="en-US" dirty="0"/>
+              <a:t> (</a:t>
+            </a:r>
+            <a:r>
+              <a:rPr lang="en-US" dirty="0" err="1"/>
+              <a:t>donorId</a:t>
+            </a:r>
+            <a:r>
+              <a:rPr lang="en-US" dirty="0"/>
+              <a:t> and responder status regressed out)</a:t>
+            </a:r>
+          </a:p>
+        </p:txBody>
+      </p:sp>
+      <p:pic>
+        <p:nvPicPr>
+          <p:cNvPr id="5" name="Picture 4">
+            <a:extLst>
+              <a:ext uri="{FF2B5EF4-FFF2-40B4-BE49-F238E27FC236}">
+                <a16:creationId xmlns:a16="http://schemas.microsoft.com/office/drawing/2014/main" id="{64F3868F-4CA5-8554-2DB6-D930856B252F}"/>
+              </a:ext>
+            </a:extLst>
+          </p:cNvPr>
+          <p:cNvPicPr>
+            <a:picLocks noChangeAspect="1"/>
+          </p:cNvPicPr>
+          <p:nvPr/>
+        </p:nvPicPr>
+        <p:blipFill>
+          <a:blip r:embed="rId3"/>
+          <a:stretch>
+            <a:fillRect/>
+          </a:stretch>
+        </p:blipFill>
         <p:spPr>
           <a:xfrm>
-            <a:off x="838199" y="1919289"/>
-            <a:ext cx="10254673" cy="4093584"/>
+            <a:off x="838200" y="2039959"/>
+            <a:ext cx="6906490" cy="4128129"/>
           </a:xfrm>
+          <a:prstGeom prst="rect">
+            <a:avLst/>
+          </a:prstGeom>
         </p:spPr>
-        <p:txBody>
-          <a:bodyPr>
-            <a:normAutofit/>
+      </p:pic>
+      <p:sp>
+        <p:nvSpPr>
+          <p:cNvPr id="7" name="TextBox 6">
+            <a:extLst>
+              <a:ext uri="{FF2B5EF4-FFF2-40B4-BE49-F238E27FC236}">
+                <a16:creationId xmlns:a16="http://schemas.microsoft.com/office/drawing/2014/main" id="{B5E83E5C-4DBD-68E6-43A7-5DB299E761B5}"/>
+              </a:ext>
+            </a:extLst>
+          </p:cNvPr>
+          <p:cNvSpPr txBox="1"/>
+          <p:nvPr/>
+        </p:nvSpPr>
+        <p:spPr>
+          <a:xfrm>
+            <a:off x="8534400" y="3879273"/>
+            <a:ext cx="2974109" cy="1477328"/>
+          </a:xfrm>
+          <a:prstGeom prst="rect">
+            <a:avLst/>
+          </a:prstGeom>
+          <a:noFill/>
+        </p:spPr>
+        <p:txBody>
+          <a:bodyPr wrap="square" rtlCol="0">
+            <a:spAutoFit/>
           </a:bodyPr>
           <a:lstStyle/>
           <a:p>
-            <a:pPr marL="514350" indent="-514350">
-              <a:buFont typeface="+mj-lt"/>
-              <a:buAutoNum type="arabicPeriod"/>
-            </a:pPr>
+            <a:r>
+              <a:rPr lang="en-US" dirty="0"/>
+              <a:t> - using UMAP </a:t>
+            </a:r>
             <a:r>
               <a:rPr lang="en-US" dirty="0" err="1"/>
-              <a:t>Reseq</a:t>
+              <a:t>hyperparams</a:t>
             </a:r>
             <a:r>
               <a:rPr lang="en-US" dirty="0"/>
-              <a:t> looks fine at QC and overall epigenetics levels</a:t>
-            </a:r>
-          </a:p>
-          <a:p>
-            <a:pPr marL="514350" indent="-514350">
-              <a:buFont typeface="+mj-lt"/>
-              <a:buAutoNum type="arabicPeriod"/>
-            </a:pPr>
-            <a:r>
-              <a:rPr lang="en-US" dirty="0"/>
-              <a:t>MT vars</a:t>
-            </a:r>
-          </a:p>
-          <a:p>
-            <a:pPr marL="971550" lvl="1" indent="-514350">
-              <a:buFont typeface="+mj-lt"/>
-              <a:buAutoNum type="alphaLcParenR"/>
-            </a:pPr>
-            <a:r>
-              <a:rPr lang="en-US" dirty="0"/>
-              <a:t>takeaway same as before but stronger confidence (DP CD57</a:t>
-            </a:r>
-            <a:r>
-              <a:rPr lang="en-US" baseline="30000" dirty="0"/>
-              <a:t>+</a:t>
-            </a:r>
-            <a:r>
-              <a:rPr lang="en-US" dirty="0"/>
-              <a:t> more vars than other sorts especially non-exhausted CD127</a:t>
-            </a:r>
-            <a:r>
-              <a:rPr lang="en-US" baseline="30000" dirty="0"/>
-              <a:t>+</a:t>
-            </a:r>
-            <a:r>
-              <a:rPr lang="en-US" dirty="0"/>
-              <a:t> and DN)</a:t>
-            </a:r>
-          </a:p>
-          <a:p>
-            <a:pPr marL="971550" lvl="1" indent="-514350">
-              <a:buFont typeface="+mj-lt"/>
-              <a:buAutoNum type="alphaLcParenR"/>
-            </a:pPr>
-            <a:r>
-              <a:rPr lang="en-US" dirty="0"/>
-              <a:t>some evidence for DP PD-1</a:t>
-            </a:r>
-            <a:r>
-              <a:rPr lang="en-US" baseline="30000" dirty="0"/>
-              <a:t>+</a:t>
-            </a:r>
-            <a:r>
-              <a:rPr lang="en-US" dirty="0"/>
-              <a:t> also having more vars than DN/non-exhausted CD127</a:t>
-            </a:r>
-            <a:r>
-              <a:rPr lang="en-US" baseline="30000" dirty="0"/>
-              <a:t>+</a:t>
-            </a:r>
-          </a:p>
-          <a:p>
-            <a:pPr marL="971550" lvl="1" indent="-514350">
-              <a:buFont typeface="+mj-lt"/>
-              <a:buAutoNum type="alphaLcParenR"/>
-            </a:pPr>
-            <a:r>
-              <a:rPr lang="en-US" dirty="0"/>
-              <a:t>some evidence for non-exhausted CD127</a:t>
-            </a:r>
-            <a:r>
-              <a:rPr lang="en-US" baseline="30000" dirty="0"/>
-              <a:t>+</a:t>
-            </a:r>
-            <a:r>
-              <a:rPr lang="en-US" dirty="0"/>
-              <a:t> being parent to DN</a:t>
-            </a:r>
-          </a:p>
-        </p:txBody>
-      </p:sp>
-      <p:sp>
-        <p:nvSpPr>
-          <p:cNvPr id="19" name="Title 18">
-            <a:extLst>
-              <a:ext uri="{FF2B5EF4-FFF2-40B4-BE49-F238E27FC236}">
-                <a16:creationId xmlns:a16="http://schemas.microsoft.com/office/drawing/2014/main" id="{2E1D3897-0B4F-3F71-986E-0E74B181F848}"/>
-              </a:ext>
-            </a:extLst>
-          </p:cNvPr>
-          <p:cNvSpPr>
-            <a:spLocks noGrp="1"/>
-          </p:cNvSpPr>
-          <p:nvPr>
-            <p:ph type="title"/>
-          </p:nvPr>
-        </p:nvSpPr>
-        <p:spPr/>
-        <p:txBody>
-          <a:bodyPr/>
-          <a:lstStyle/>
-          <a:p>
-            <a:r>
-              <a:rPr lang="en-US" dirty="0"/>
-              <a:t>Conclusions</a:t>
+              <a:t> to minimize number of “dubious cells” (to 0), although there are still “intermediate cells”</a:t>
             </a:r>
           </a:p>
         </p:txBody>
@@ -6289,7 +7219,7 @@
     </p:spTree>
     <p:extLst>
       <p:ext uri="{BB962C8B-B14F-4D97-AF65-F5344CB8AC3E}">
-        <p14:creationId xmlns:p14="http://schemas.microsoft.com/office/powerpoint/2010/main" val="450744437"/>
+        <p14:creationId xmlns:p14="http://schemas.microsoft.com/office/powerpoint/2010/main" val="3819750376"/>
       </p:ext>
     </p:extLst>
   </p:cSld>
@@ -6324,130 +7254,98 @@
       </p:grpSpPr>
       <p:sp>
         <p:nvSpPr>
-          <p:cNvPr id="2" name="Content Placeholder 2">
-            <a:extLst>
-              <a:ext uri="{FF2B5EF4-FFF2-40B4-BE49-F238E27FC236}">
-                <a16:creationId xmlns:a16="http://schemas.microsoft.com/office/drawing/2014/main" id="{090FDFCF-AEFD-6D7B-6B89-12A07B49703B}"/>
-              </a:ext>
-            </a:extLst>
-          </p:cNvPr>
-          <p:cNvSpPr>
-            <a:spLocks noGrp="1"/>
-          </p:cNvSpPr>
-          <p:nvPr>
-            <p:ph idx="1"/>
-          </p:nvPr>
-        </p:nvSpPr>
+          <p:cNvPr id="19" name="Title 18">
+            <a:extLst>
+              <a:ext uri="{FF2B5EF4-FFF2-40B4-BE49-F238E27FC236}">
+                <a16:creationId xmlns:a16="http://schemas.microsoft.com/office/drawing/2014/main" id="{2E1D3897-0B4F-3F71-986E-0E74B181F848}"/>
+              </a:ext>
+            </a:extLst>
+          </p:cNvPr>
+          <p:cNvSpPr>
+            <a:spLocks noGrp="1"/>
+          </p:cNvSpPr>
+          <p:nvPr>
+            <p:ph type="title"/>
+          </p:nvPr>
+        </p:nvSpPr>
+        <p:spPr/>
+        <p:txBody>
+          <a:bodyPr/>
+          <a:lstStyle/>
+          <a:p>
+            <a:r>
+              <a:rPr lang="en-US" dirty="0"/>
+              <a:t>A look at high dimensional space</a:t>
+            </a:r>
+          </a:p>
+        </p:txBody>
+      </p:sp>
+      <p:pic>
+        <p:nvPicPr>
+          <p:cNvPr id="2" name="Picture 1">
+            <a:extLst>
+              <a:ext uri="{FF2B5EF4-FFF2-40B4-BE49-F238E27FC236}">
+                <a16:creationId xmlns:a16="http://schemas.microsoft.com/office/drawing/2014/main" id="{B9AF2F36-A4A9-0846-BB0D-E8D3B1C221E0}"/>
+              </a:ext>
+            </a:extLst>
+          </p:cNvPr>
+          <p:cNvPicPr>
+            <a:picLocks noChangeAspect="1"/>
+          </p:cNvPicPr>
+          <p:nvPr/>
+        </p:nvPicPr>
+        <p:blipFill>
+          <a:blip r:embed="rId3"/>
+          <a:stretch>
+            <a:fillRect/>
+          </a:stretch>
+        </p:blipFill>
         <p:spPr>
           <a:xfrm>
-            <a:off x="838199" y="1919288"/>
-            <a:ext cx="10254673" cy="4693947"/>
+            <a:off x="149527" y="2217493"/>
+            <a:ext cx="6073473" cy="3765896"/>
           </a:xfrm>
+          <a:prstGeom prst="rect">
+            <a:avLst/>
+          </a:prstGeom>
         </p:spPr>
-        <p:txBody>
-          <a:bodyPr>
-            <a:normAutofit fontScale="70000" lnSpcReduction="20000"/>
-          </a:bodyPr>
-          <a:lstStyle/>
-          <a:p>
-            <a:pPr marL="0" indent="0">
-              <a:buNone/>
-            </a:pPr>
-            <a:r>
-              <a:rPr lang="en-US" dirty="0"/>
-              <a:t>T cell exhaustion, a state of reduced effector function, results from chronic stimulation from antigens that cannot be fully cleared.</a:t>
-            </a:r>
-          </a:p>
-          <a:p>
-            <a:pPr marL="0" indent="0">
-              <a:buNone/>
-            </a:pPr>
-            <a:r>
-              <a:rPr lang="en-US" dirty="0"/>
-              <a:t>In recent T1D studies, levels of TIGIT+KLRG1+ (DP) PD-1+ and DP CD57+ exhausted CD8s early after treatment have correlated with better response to therapy, consistent with the reduced effector function of these exhausted T cells.</a:t>
-            </a:r>
-          </a:p>
-          <a:p>
-            <a:pPr marL="0" indent="0">
-              <a:buNone/>
-            </a:pPr>
-            <a:r>
-              <a:rPr lang="en-US" dirty="0"/>
-              <a:t>However, levels of DP CD127+ exhausted CD8s may in fact correlate with worse outcome in T1D.</a:t>
-            </a:r>
-          </a:p>
-          <a:p>
-            <a:pPr marL="0" indent="0">
-              <a:buNone/>
-            </a:pPr>
-            <a:r>
-              <a:rPr lang="en-US" dirty="0"/>
-              <a:t>To investigate this heterogeneity in association with response to therapy amongst DP exhausted CD8s and given the epigenetic changes that characterize T cell exhaustion, here we profiled the epigenetic states of different non-naive CD8 populations from PBMCs of 10 T1D patients treated with teplizumab using bulk ATAC-seq.</a:t>
-            </a:r>
-          </a:p>
-          <a:p>
-            <a:pPr marL="0" indent="0">
-              <a:buNone/>
-            </a:pPr>
-            <a:r>
-              <a:rPr lang="en-US" dirty="0"/>
-              <a:t>We found that the epigenetic states of DP CD127+ CD8s were intermediate to that of other DP CD8s (PD-1+ and CD57+) and TIGIT+KLRG1+ CD8s.</a:t>
-            </a:r>
-          </a:p>
-          <a:p>
-            <a:pPr marL="0" indent="0">
-              <a:buNone/>
-            </a:pPr>
-            <a:r>
-              <a:rPr lang="en-US" b="1" dirty="0"/>
-              <a:t>We also analyzed mitochondrial-mapping ATAC-seq reads and found that the DP CD8s had more mitochondrial single nucleotide variants than DN CD8s with DP CD57+ specifically having the most variants.</a:t>
-            </a:r>
-          </a:p>
-          <a:p>
-            <a:pPr marL="0" indent="0">
-              <a:buNone/>
-            </a:pPr>
-            <a:r>
-              <a:rPr lang="en-US" b="1" dirty="0"/>
-              <a:t>We hypothesize that non-naïve CD8 differentiation flows from DP CD127+ to DP PD-1+ to the more terminal DP CD57+.</a:t>
-            </a:r>
-          </a:p>
-        </p:txBody>
-      </p:sp>
-      <p:sp>
-        <p:nvSpPr>
-          <p:cNvPr id="19" name="Title 18">
-            <a:extLst>
-              <a:ext uri="{FF2B5EF4-FFF2-40B4-BE49-F238E27FC236}">
-                <a16:creationId xmlns:a16="http://schemas.microsoft.com/office/drawing/2014/main" id="{2E1D3897-0B4F-3F71-986E-0E74B181F848}"/>
-              </a:ext>
-            </a:extLst>
-          </p:cNvPr>
-          <p:cNvSpPr>
-            <a:spLocks noGrp="1"/>
-          </p:cNvSpPr>
-          <p:nvPr>
-            <p:ph type="title"/>
-          </p:nvPr>
-        </p:nvSpPr>
-        <p:spPr/>
-        <p:txBody>
-          <a:bodyPr/>
-          <a:lstStyle/>
-          <a:p>
-            <a:r>
-              <a:rPr lang="en-US" dirty="0"/>
-              <a:t>Bifurcation vs. linear path, abstract rewriting, any other authors needed for patient recruitment side?</a:t>
-            </a:r>
-          </a:p>
-        </p:txBody>
-      </p:sp>
-      <p:sp>
-        <p:nvSpPr>
-          <p:cNvPr id="5" name="TextBox 4">
-            <a:extLst>
-              <a:ext uri="{FF2B5EF4-FFF2-40B4-BE49-F238E27FC236}">
-                <a16:creationId xmlns:a16="http://schemas.microsoft.com/office/drawing/2014/main" id="{4130698C-6D3C-3106-C3E7-5F5D21A639A9}"/>
+      </p:pic>
+      <p:pic>
+        <p:nvPicPr>
+          <p:cNvPr id="6" name="Picture 5">
+            <a:extLst>
+              <a:ext uri="{FF2B5EF4-FFF2-40B4-BE49-F238E27FC236}">
+                <a16:creationId xmlns:a16="http://schemas.microsoft.com/office/drawing/2014/main" id="{D8DF055D-9AB2-A194-47DB-22F9AE9DB945}"/>
+              </a:ext>
+            </a:extLst>
+          </p:cNvPr>
+          <p:cNvPicPr>
+            <a:picLocks noChangeAspect="1"/>
+          </p:cNvPicPr>
+          <p:nvPr/>
+        </p:nvPicPr>
+        <p:blipFill>
+          <a:blip r:embed="rId4"/>
+          <a:stretch>
+            <a:fillRect/>
+          </a:stretch>
+        </p:blipFill>
+        <p:spPr>
+          <a:xfrm>
+            <a:off x="6179692" y="1965778"/>
+            <a:ext cx="5641109" cy="4269325"/>
+          </a:xfrm>
+          <a:prstGeom prst="rect">
+            <a:avLst/>
+          </a:prstGeom>
+        </p:spPr>
+      </p:pic>
+      <p:sp>
+        <p:nvSpPr>
+          <p:cNvPr id="3" name="TextBox 2">
+            <a:extLst>
+              <a:ext uri="{FF2B5EF4-FFF2-40B4-BE49-F238E27FC236}">
+                <a16:creationId xmlns:a16="http://schemas.microsoft.com/office/drawing/2014/main" id="{372D8086-C0E0-34E7-DE37-6FFA66D51819}"/>
               </a:ext>
             </a:extLst>
           </p:cNvPr>
@@ -6456,8 +7354,8 @@
         </p:nvSpPr>
         <p:spPr>
           <a:xfrm>
-            <a:off x="4969164" y="6428569"/>
-            <a:ext cx="4938724" cy="369332"/>
+            <a:off x="2419927" y="6050437"/>
+            <a:ext cx="1016112" cy="369332"/>
           </a:xfrm>
           <a:prstGeom prst="rect">
             <a:avLst/>
@@ -6472,7 +7370,42 @@
           <a:p>
             <a:r>
               <a:rPr lang="en-US" dirty="0"/>
-              <a:t>no strong evidence for bifurcation vs. linear path…</a:t>
+              <a:t>All peaks</a:t>
+            </a:r>
+          </a:p>
+        </p:txBody>
+      </p:sp>
+      <p:sp>
+        <p:nvSpPr>
+          <p:cNvPr id="4" name="TextBox 3">
+            <a:extLst>
+              <a:ext uri="{FF2B5EF4-FFF2-40B4-BE49-F238E27FC236}">
+                <a16:creationId xmlns:a16="http://schemas.microsoft.com/office/drawing/2014/main" id="{7D8A9545-B997-43A0-0247-849270D41058}"/>
+              </a:ext>
+            </a:extLst>
+          </p:cNvPr>
+          <p:cNvSpPr txBox="1"/>
+          <p:nvPr/>
+        </p:nvSpPr>
+        <p:spPr>
+          <a:xfrm>
+            <a:off x="7619835" y="5983389"/>
+            <a:ext cx="2949462" cy="369332"/>
+          </a:xfrm>
+          <a:prstGeom prst="rect">
+            <a:avLst/>
+          </a:prstGeom>
+          <a:noFill/>
+        </p:spPr>
+        <p:txBody>
+          <a:bodyPr wrap="none" rtlCol="0">
+            <a:spAutoFit/>
+          </a:bodyPr>
+          <a:lstStyle/>
+          <a:p>
+            <a:r>
+              <a:rPr lang="en-US" dirty="0"/>
+              <a:t>Top variably accessible peaks</a:t>
             </a:r>
           </a:p>
         </p:txBody>
@@ -6480,7 +7413,7 @@
     </p:spTree>
     <p:extLst>
       <p:ext uri="{BB962C8B-B14F-4D97-AF65-F5344CB8AC3E}">
-        <p14:creationId xmlns:p14="http://schemas.microsoft.com/office/powerpoint/2010/main" val="1038822281"/>
+        <p14:creationId xmlns:p14="http://schemas.microsoft.com/office/powerpoint/2010/main" val="2646641322"/>
       </p:ext>
     </p:extLst>
   </p:cSld>
@@ -6515,64 +7448,29 @@
       </p:grpSpPr>
       <p:sp>
         <p:nvSpPr>
-          <p:cNvPr id="6" name="Title 5">
-            <a:extLst>
-              <a:ext uri="{FF2B5EF4-FFF2-40B4-BE49-F238E27FC236}">
-                <a16:creationId xmlns:a16="http://schemas.microsoft.com/office/drawing/2014/main" id="{B9AD7D28-49C2-0B8B-79CB-FA2C8F40B6BC}"/>
-              </a:ext>
-            </a:extLst>
-          </p:cNvPr>
-          <p:cNvSpPr>
-            <a:spLocks noGrp="1"/>
-          </p:cNvSpPr>
-          <p:nvPr>
-            <p:ph type="title"/>
+          <p:cNvPr id="2" name="Content Placeholder 2">
+            <a:extLst>
+              <a:ext uri="{FF2B5EF4-FFF2-40B4-BE49-F238E27FC236}">
+                <a16:creationId xmlns:a16="http://schemas.microsoft.com/office/drawing/2014/main" id="{090FDFCF-AEFD-6D7B-6B89-12A07B49703B}"/>
+              </a:ext>
+            </a:extLst>
+          </p:cNvPr>
+          <p:cNvSpPr>
+            <a:spLocks noGrp="1"/>
+          </p:cNvSpPr>
+          <p:nvPr>
+            <p:ph idx="1"/>
           </p:nvPr>
         </p:nvSpPr>
         <p:spPr>
           <a:xfrm>
-            <a:off x="838200" y="365125"/>
-            <a:ext cx="10279455" cy="1825625"/>
+            <a:off x="838199" y="1919289"/>
+            <a:ext cx="10254673" cy="4093584"/>
           </a:xfrm>
         </p:spPr>
         <p:txBody>
           <a:bodyPr>
-            <a:normAutofit/>
-          </a:bodyPr>
-          <a:lstStyle/>
-          <a:p>
-            <a:r>
-              <a:rPr lang="en-US" dirty="0"/>
-              <a:t>Next steps</a:t>
-            </a:r>
-          </a:p>
-        </p:txBody>
-      </p:sp>
-      <p:sp>
-        <p:nvSpPr>
-          <p:cNvPr id="2" name="Content Placeholder 2">
-            <a:extLst>
-              <a:ext uri="{FF2B5EF4-FFF2-40B4-BE49-F238E27FC236}">
-                <a16:creationId xmlns:a16="http://schemas.microsoft.com/office/drawing/2014/main" id="{090FDFCF-AEFD-6D7B-6B89-12A07B49703B}"/>
-              </a:ext>
-            </a:extLst>
-          </p:cNvPr>
-          <p:cNvSpPr>
-            <a:spLocks noGrp="1"/>
-          </p:cNvSpPr>
-          <p:nvPr>
-            <p:ph idx="1"/>
-          </p:nvPr>
-        </p:nvSpPr>
-        <p:spPr>
-          <a:xfrm>
-            <a:off x="838200" y="1919289"/>
-            <a:ext cx="10771208" cy="4499440"/>
-          </a:xfrm>
-        </p:spPr>
-        <p:txBody>
-          <a:bodyPr>
-            <a:normAutofit lnSpcReduction="10000"/>
+            <a:normAutofit fontScale="92500" lnSpcReduction="10000"/>
           </a:bodyPr>
           <a:lstStyle/>
           <a:p>
@@ -6581,8 +7479,22 @@
               <a:buAutoNum type="arabicPeriod"/>
             </a:pPr>
             <a:r>
-              <a:rPr lang="en-US" b="1" dirty="0"/>
-              <a:t>Epigenetic analyses from re-seq</a:t>
+              <a:rPr lang="en-US" dirty="0" err="1"/>
+              <a:t>Reseq</a:t>
+            </a:r>
+            <a:r>
+              <a:rPr lang="en-US" dirty="0"/>
+              <a:t> looks fine at QC level</a:t>
+            </a:r>
+          </a:p>
+          <a:p>
+            <a:pPr marL="514350" indent="-514350">
+              <a:buFont typeface="+mj-lt"/>
+              <a:buAutoNum type="arabicPeriod"/>
+            </a:pPr>
+            <a:r>
+              <a:rPr lang="en-US" dirty="0"/>
+              <a:t>MT vars</a:t>
             </a:r>
           </a:p>
           <a:p>
@@ -6591,16 +7503,24 @@
               <a:buAutoNum type="alphaLcParenR"/>
             </a:pPr>
             <a:r>
-              <a:rPr lang="en-US" b="1" dirty="0"/>
-              <a:t>Merge alignment bam and peak files by </a:t>
-            </a:r>
-            <a:r>
-              <a:rPr lang="en-US" b="1" dirty="0" err="1"/>
-              <a:t>libid</a:t>
-            </a:r>
-            <a:r>
-              <a:rPr lang="en-US" b="1" dirty="0"/>
-              <a:t> across seq runs</a:t>
+              <a:rPr lang="en-US" dirty="0"/>
+              <a:t>still see DP CD57</a:t>
+            </a:r>
+            <a:r>
+              <a:rPr lang="en-US" baseline="30000" dirty="0"/>
+              <a:t>+</a:t>
+            </a:r>
+            <a:r>
+              <a:rPr lang="en-US" dirty="0"/>
+              <a:t> having more vars than other sorts especially non-exhausted CD127</a:t>
+            </a:r>
+            <a:r>
+              <a:rPr lang="en-US" baseline="30000" dirty="0"/>
+              <a:t>+</a:t>
+            </a:r>
+            <a:r>
+              <a:rPr lang="en-US" dirty="0"/>
+              <a:t> and DN, stronger confidence now though</a:t>
             </a:r>
           </a:p>
           <a:p>
@@ -6609,16 +7529,38 @@
               <a:buAutoNum type="alphaLcParenR"/>
             </a:pPr>
             <a:r>
-              <a:rPr lang="en-US" b="1" dirty="0"/>
-              <a:t>Use those merged files in </a:t>
-            </a:r>
-            <a:r>
-              <a:rPr lang="en-US" b="1" dirty="0" err="1"/>
-              <a:t>Diffbind</a:t>
-            </a:r>
-            <a:r>
-              <a:rPr lang="en-US" b="1" dirty="0"/>
-              <a:t> analyses, as if we had run everything at once</a:t>
+              <a:rPr lang="en-US" dirty="0"/>
+              <a:t>some evidence for DP PD-1</a:t>
+            </a:r>
+            <a:r>
+              <a:rPr lang="en-US" baseline="30000" dirty="0"/>
+              <a:t>+</a:t>
+            </a:r>
+            <a:r>
+              <a:rPr lang="en-US" dirty="0"/>
+              <a:t> also having more vars than DN/non-exhausted CD127</a:t>
+            </a:r>
+            <a:r>
+              <a:rPr lang="en-US" baseline="30000" dirty="0"/>
+              <a:t>+</a:t>
+            </a:r>
+          </a:p>
+          <a:p>
+            <a:pPr marL="971550" lvl="1" indent="-514350">
+              <a:buFont typeface="+mj-lt"/>
+              <a:buAutoNum type="alphaLcParenR"/>
+            </a:pPr>
+            <a:r>
+              <a:rPr lang="en-US" dirty="0"/>
+              <a:t>some evidence for non-exhausted CD127</a:t>
+            </a:r>
+            <a:r>
+              <a:rPr lang="en-US" baseline="30000" dirty="0"/>
+              <a:t>+</a:t>
+            </a:r>
+            <a:r>
+              <a:rPr lang="en-US" dirty="0"/>
+              <a:t> being parent to DN</a:t>
             </a:r>
           </a:p>
           <a:p>
@@ -6628,17 +7570,7 @@
             </a:pPr>
             <a:r>
               <a:rPr lang="en-US" dirty="0"/>
-              <a:t>Homer TF analyses given greater read depth</a:t>
-            </a:r>
-          </a:p>
-          <a:p>
-            <a:pPr marL="514350" indent="-514350">
-              <a:buFont typeface="+mj-lt"/>
-              <a:buAutoNum type="arabicPeriod"/>
-            </a:pPr>
-            <a:r>
-              <a:rPr lang="en-US" dirty="0"/>
-              <a:t>MT vars: getting biological relevance</a:t>
+              <a:t>Epigenetics</a:t>
             </a:r>
           </a:p>
           <a:p>
@@ -6648,15 +7580,7 @@
             </a:pPr>
             <a:r>
               <a:rPr lang="en-US" dirty="0"/>
-              <a:t>Potential rabbit hole: simulate MT dynamics to try and equate MT var counts to # of cell divisions? Would be helpful to know order of magnitude here (i.e. DP CD57+ divided 1X, 10X, or 100X more than </a:t>
-            </a:r>
-            <a:r>
-              <a:rPr lang="en-US" dirty="0" err="1"/>
-              <a:t>nonexh</a:t>
-            </a:r>
-            <a:r>
-              <a:rPr lang="en-US" dirty="0"/>
-              <a:t>/DN?)</a:t>
+              <a:t>no evidence of seq re-run introducing batch effect</a:t>
             </a:r>
           </a:p>
           <a:p>
@@ -6666,23 +7590,45 @@
             </a:pPr>
             <a:r>
               <a:rPr lang="en-US" dirty="0"/>
-              <a:t>How to choose a sensible lower bound for var </a:t>
-            </a:r>
-            <a:r>
-              <a:rPr lang="en-US" dirty="0" err="1"/>
-              <a:t>freqs</a:t>
-            </a:r>
+              <a:t>cell sorts still show distinct epigenetic profiles, still see 1 DN outlier</a:t>
+            </a:r>
+          </a:p>
+          <a:p>
+            <a:pPr marL="971550" lvl="1" indent="-514350">
+              <a:buFont typeface="+mj-lt"/>
+              <a:buAutoNum type="alphaLcParenR"/>
+            </a:pPr>
             <a:r>
               <a:rPr lang="en-US" dirty="0"/>
-              <a:t>? Simulations could perhaps also inform this bound, i.e. how many divisions to see 0.1% </a:t>
-            </a:r>
-            <a:r>
-              <a:rPr lang="en-US" dirty="0" err="1"/>
-              <a:t>freq</a:t>
-            </a:r>
+              <a:t>still don’t see differences R vs. NR (not shown) </a:t>
+            </a:r>
+          </a:p>
+        </p:txBody>
+      </p:sp>
+      <p:sp>
+        <p:nvSpPr>
+          <p:cNvPr id="19" name="Title 18">
+            <a:extLst>
+              <a:ext uri="{FF2B5EF4-FFF2-40B4-BE49-F238E27FC236}">
+                <a16:creationId xmlns:a16="http://schemas.microsoft.com/office/drawing/2014/main" id="{2E1D3897-0B4F-3F71-986E-0E74B181F848}"/>
+              </a:ext>
+            </a:extLst>
+          </p:cNvPr>
+          <p:cNvSpPr>
+            <a:spLocks noGrp="1"/>
+          </p:cNvSpPr>
+          <p:nvPr>
+            <p:ph type="title"/>
+          </p:nvPr>
+        </p:nvSpPr>
+        <p:spPr/>
+        <p:txBody>
+          <a:bodyPr/>
+          <a:lstStyle/>
+          <a:p>
             <a:r>
               <a:rPr lang="en-US" dirty="0"/>
-              <a:t> vars appear vs. 0.5% ones appear?</a:t>
+              <a:t>Conclusions</a:t>
             </a:r>
           </a:p>
         </p:txBody>
@@ -6690,7 +7636,7 @@
     </p:spTree>
     <p:extLst>
       <p:ext uri="{BB962C8B-B14F-4D97-AF65-F5344CB8AC3E}">
-        <p14:creationId xmlns:p14="http://schemas.microsoft.com/office/powerpoint/2010/main" val="4005091590"/>
+        <p14:creationId xmlns:p14="http://schemas.microsoft.com/office/powerpoint/2010/main" val="450744437"/>
       </p:ext>
     </p:extLst>
   </p:cSld>
@@ -6753,6 +7699,370 @@
           <a:p>
             <a:r>
               <a:rPr lang="en-US" dirty="0"/>
+              <a:t>Next steps</a:t>
+            </a:r>
+          </a:p>
+        </p:txBody>
+      </p:sp>
+      <p:sp>
+        <p:nvSpPr>
+          <p:cNvPr id="2" name="Content Placeholder 2">
+            <a:extLst>
+              <a:ext uri="{FF2B5EF4-FFF2-40B4-BE49-F238E27FC236}">
+                <a16:creationId xmlns:a16="http://schemas.microsoft.com/office/drawing/2014/main" id="{090FDFCF-AEFD-6D7B-6B89-12A07B49703B}"/>
+              </a:ext>
+            </a:extLst>
+          </p:cNvPr>
+          <p:cNvSpPr>
+            <a:spLocks noGrp="1"/>
+          </p:cNvSpPr>
+          <p:nvPr>
+            <p:ph idx="1"/>
+          </p:nvPr>
+        </p:nvSpPr>
+        <p:spPr>
+          <a:xfrm>
+            <a:off x="838200" y="1919289"/>
+            <a:ext cx="10771208" cy="4499440"/>
+          </a:xfrm>
+        </p:spPr>
+        <p:txBody>
+          <a:bodyPr>
+            <a:normAutofit/>
+          </a:bodyPr>
+          <a:lstStyle/>
+          <a:p>
+            <a:pPr marL="514350" indent="-514350">
+              <a:buFont typeface="+mj-lt"/>
+              <a:buAutoNum type="arabicPeriod"/>
+            </a:pPr>
+            <a:r>
+              <a:rPr lang="en-US" b="1" dirty="0"/>
+              <a:t>Submit abstract today for BRI retreat</a:t>
+            </a:r>
+          </a:p>
+          <a:p>
+            <a:pPr marL="514350" indent="-514350">
+              <a:buFont typeface="+mj-lt"/>
+              <a:buAutoNum type="arabicPeriod"/>
+            </a:pPr>
+            <a:r>
+              <a:rPr lang="en-US" dirty="0"/>
+              <a:t>Epigenetic analyses from re-seq: </a:t>
+            </a:r>
+            <a:r>
+              <a:rPr lang="en-US" dirty="0">
+                <a:sym typeface="Wingdings" pitchFamily="2" charset="2"/>
+              </a:rPr>
+              <a:t>key VPs</a:t>
+            </a:r>
+          </a:p>
+          <a:p>
+            <a:pPr marL="514350" indent="-514350">
+              <a:buFont typeface="+mj-lt"/>
+              <a:buAutoNum type="arabicPeriod"/>
+            </a:pPr>
+            <a:r>
+              <a:rPr lang="en-US" dirty="0"/>
+              <a:t>Homer TF analyses given greater read depth</a:t>
+            </a:r>
+          </a:p>
+          <a:p>
+            <a:pPr marL="514350" indent="-514350">
+              <a:buFont typeface="+mj-lt"/>
+              <a:buAutoNum type="arabicPeriod"/>
+            </a:pPr>
+            <a:r>
+              <a:rPr lang="en-US" dirty="0"/>
+              <a:t>MT vars: getting biological relevance</a:t>
+            </a:r>
+          </a:p>
+          <a:p>
+            <a:pPr marL="971550" lvl="1" indent="-514350">
+              <a:buFont typeface="+mj-lt"/>
+              <a:buAutoNum type="alphaLcParenR"/>
+            </a:pPr>
+            <a:r>
+              <a:rPr lang="en-US" dirty="0"/>
+              <a:t>Potential rabbit hole: simulate MT dynamics to try and equate MT var counts to # of cell divisions? Would be helpful to know order of magnitude here (i.e. DP CD57+ divided 1X, 10X, or 100X more than </a:t>
+            </a:r>
+            <a:r>
+              <a:rPr lang="en-US" dirty="0" err="1"/>
+              <a:t>nonexh</a:t>
+            </a:r>
+            <a:r>
+              <a:rPr lang="en-US" dirty="0"/>
+              <a:t>/DN?)</a:t>
+            </a:r>
+          </a:p>
+          <a:p>
+            <a:pPr marL="971550" lvl="1" indent="-514350">
+              <a:buFont typeface="+mj-lt"/>
+              <a:buAutoNum type="alphaLcParenR"/>
+            </a:pPr>
+            <a:r>
+              <a:rPr lang="en-US" dirty="0"/>
+              <a:t>How to choose a sensible lower bound for var </a:t>
+            </a:r>
+            <a:r>
+              <a:rPr lang="en-US" dirty="0" err="1"/>
+              <a:t>freqs</a:t>
+            </a:r>
+            <a:r>
+              <a:rPr lang="en-US" dirty="0"/>
+              <a:t>? Simulations could perhaps also inform this bound, i.e. how many divisions to see 0.1% </a:t>
+            </a:r>
+            <a:r>
+              <a:rPr lang="en-US" dirty="0" err="1"/>
+              <a:t>freq</a:t>
+            </a:r>
+            <a:r>
+              <a:rPr lang="en-US" dirty="0"/>
+              <a:t> vars appear vs. 0.5% ones appear?</a:t>
+            </a:r>
+          </a:p>
+        </p:txBody>
+      </p:sp>
+    </p:spTree>
+    <p:extLst>
+      <p:ext uri="{BB962C8B-B14F-4D97-AF65-F5344CB8AC3E}">
+        <p14:creationId xmlns:p14="http://schemas.microsoft.com/office/powerpoint/2010/main" val="4005091590"/>
+      </p:ext>
+    </p:extLst>
+  </p:cSld>
+  <p:clrMapOvr>
+    <a:masterClrMapping/>
+  </p:clrMapOvr>
+</p:sld>
+</file>
+
+<file path=ppt/slides/slide16.xml><?xml version="1.0" encoding="utf-8"?>
+<p:sld xmlns:a="http://schemas.openxmlformats.org/drawingml/2006/main" xmlns:r="http://schemas.openxmlformats.org/officeDocument/2006/relationships" xmlns:p="http://schemas.openxmlformats.org/presentationml/2006/main">
+  <p:cSld>
+    <p:spTree>
+      <p:nvGrpSpPr>
+        <p:cNvPr id="1" name="">
+          <a:extLst>
+            <a:ext uri="{FF2B5EF4-FFF2-40B4-BE49-F238E27FC236}">
+              <a16:creationId xmlns:a16="http://schemas.microsoft.com/office/drawing/2014/main" id="{5F63F271-7169-1115-1EF3-CE3BF477816E}"/>
+            </a:ext>
+          </a:extLst>
+        </p:cNvPr>
+        <p:cNvGrpSpPr/>
+        <p:nvPr/>
+      </p:nvGrpSpPr>
+      <p:grpSpPr>
+        <a:xfrm>
+          <a:off x="0" y="0"/>
+          <a:ext cx="0" cy="0"/>
+          <a:chOff x="0" y="0"/>
+          <a:chExt cx="0" cy="0"/>
+        </a:xfrm>
+      </p:grpSpPr>
+      <p:sp>
+        <p:nvSpPr>
+          <p:cNvPr id="2" name="Content Placeholder 2">
+            <a:extLst>
+              <a:ext uri="{FF2B5EF4-FFF2-40B4-BE49-F238E27FC236}">
+                <a16:creationId xmlns:a16="http://schemas.microsoft.com/office/drawing/2014/main" id="{090FDFCF-AEFD-6D7B-6B89-12A07B49703B}"/>
+              </a:ext>
+            </a:extLst>
+          </p:cNvPr>
+          <p:cNvSpPr>
+            <a:spLocks noGrp="1"/>
+          </p:cNvSpPr>
+          <p:nvPr>
+            <p:ph idx="1"/>
+          </p:nvPr>
+        </p:nvSpPr>
+        <p:spPr>
+          <a:xfrm>
+            <a:off x="838199" y="1919288"/>
+            <a:ext cx="10254673" cy="4693947"/>
+          </a:xfrm>
+        </p:spPr>
+        <p:txBody>
+          <a:bodyPr>
+            <a:normAutofit fontScale="70000" lnSpcReduction="20000"/>
+          </a:bodyPr>
+          <a:lstStyle/>
+          <a:p>
+            <a:pPr marL="0" indent="0">
+              <a:buNone/>
+            </a:pPr>
+            <a:r>
+              <a:rPr lang="en-US" dirty="0"/>
+              <a:t>T cell exhaustion, a state of reduced effector function, results from chronic stimulation from antigens that cannot be fully cleared.</a:t>
+            </a:r>
+          </a:p>
+          <a:p>
+            <a:pPr marL="0" indent="0">
+              <a:buNone/>
+            </a:pPr>
+            <a:r>
+              <a:rPr lang="en-US" dirty="0"/>
+              <a:t>In recent T1D studies, levels of TIGIT+KLRG1+ (DP) PD-1+ and DP CD57+ exhausted CD8s early after treatment have correlated with better response to therapy, consistent with the reduced effector function of these exhausted T cells.</a:t>
+            </a:r>
+          </a:p>
+          <a:p>
+            <a:pPr marL="0" indent="0">
+              <a:buNone/>
+            </a:pPr>
+            <a:r>
+              <a:rPr lang="en-US" dirty="0"/>
+              <a:t>However, levels of DP CD127+ exhausted CD8s may in fact correlate with worse outcome in T1D.</a:t>
+            </a:r>
+          </a:p>
+          <a:p>
+            <a:pPr marL="0" indent="0">
+              <a:buNone/>
+            </a:pPr>
+            <a:r>
+              <a:rPr lang="en-US" dirty="0"/>
+              <a:t>To investigate this heterogeneity in association with response to therapy amongst DP exhausted CD8s and given the epigenetic changes that characterize T cell exhaustion, here we profiled the epigenetic states of different non-naive CD8 populations from PBMCs of 10 T1D patients treated with teplizumab using bulk ATAC-seq.</a:t>
+            </a:r>
+          </a:p>
+          <a:p>
+            <a:pPr marL="0" indent="0">
+              <a:buNone/>
+            </a:pPr>
+            <a:r>
+              <a:rPr lang="en-US" dirty="0"/>
+              <a:t>We found that the epigenetic states of DP CD127+ CD8s were intermediate to that of other DP CD8s (PD-1+ and CD57+) and TIGIT+KLRG1+ CD8s.</a:t>
+            </a:r>
+          </a:p>
+          <a:p>
+            <a:pPr marL="0" indent="0">
+              <a:buNone/>
+            </a:pPr>
+            <a:r>
+              <a:rPr lang="en-US" b="1" dirty="0"/>
+              <a:t>We also analyzed mitochondrial-mapping ATAC-seq reads and found that the DP CD8s had more mitochondrial single nucleotide variants than DN CD8s with DP CD57+ specifically having the most variants.</a:t>
+            </a:r>
+          </a:p>
+          <a:p>
+            <a:pPr marL="0" indent="0">
+              <a:buNone/>
+            </a:pPr>
+            <a:r>
+              <a:rPr lang="en-US" b="1" dirty="0"/>
+              <a:t>We hypothesize that non-naïve CD8 differentiation flows from DP CD127+ to DP PD-1+ to the more terminal DP CD57+.</a:t>
+            </a:r>
+          </a:p>
+        </p:txBody>
+      </p:sp>
+      <p:sp>
+        <p:nvSpPr>
+          <p:cNvPr id="19" name="Title 18">
+            <a:extLst>
+              <a:ext uri="{FF2B5EF4-FFF2-40B4-BE49-F238E27FC236}">
+                <a16:creationId xmlns:a16="http://schemas.microsoft.com/office/drawing/2014/main" id="{2E1D3897-0B4F-3F71-986E-0E74B181F848}"/>
+              </a:ext>
+            </a:extLst>
+          </p:cNvPr>
+          <p:cNvSpPr>
+            <a:spLocks noGrp="1"/>
+          </p:cNvSpPr>
+          <p:nvPr>
+            <p:ph type="title"/>
+          </p:nvPr>
+        </p:nvSpPr>
+        <p:spPr/>
+        <p:txBody>
+          <a:bodyPr>
+            <a:normAutofit fontScale="90000"/>
+          </a:bodyPr>
+          <a:lstStyle/>
+          <a:p>
+            <a:r>
+              <a:rPr lang="en-US" dirty="0"/>
+              <a:t>Better defining exhausted TIGIT</a:t>
+            </a:r>
+            <a:r>
+              <a:rPr lang="en-US" baseline="30000" dirty="0"/>
+              <a:t>+</a:t>
+            </a:r>
+            <a:r>
+              <a:rPr lang="en-US" dirty="0"/>
+              <a:t>KLRG1</a:t>
+            </a:r>
+            <a:r>
+              <a:rPr lang="en-US" baseline="-25000" dirty="0"/>
+              <a:t>+</a:t>
+            </a:r>
+            <a:r>
+              <a:rPr lang="en-US" dirty="0"/>
+              <a:t> subsets in teplizumab-treated T1D subjects using ATAC-seq: epigenetics and mitochondrial variants</a:t>
+            </a:r>
+          </a:p>
+        </p:txBody>
+      </p:sp>
+    </p:spTree>
+    <p:extLst>
+      <p:ext uri="{BB962C8B-B14F-4D97-AF65-F5344CB8AC3E}">
+        <p14:creationId xmlns:p14="http://schemas.microsoft.com/office/powerpoint/2010/main" val="2105691746"/>
+      </p:ext>
+    </p:extLst>
+  </p:cSld>
+  <p:clrMapOvr>
+    <a:masterClrMapping/>
+  </p:clrMapOvr>
+</p:sld>
+</file>
+
+<file path=ppt/slides/slide17.xml><?xml version="1.0" encoding="utf-8"?>
+<p:sld xmlns:a="http://schemas.openxmlformats.org/drawingml/2006/main" xmlns:r="http://schemas.openxmlformats.org/officeDocument/2006/relationships" xmlns:p="http://schemas.openxmlformats.org/presentationml/2006/main">
+  <p:cSld>
+    <p:spTree>
+      <p:nvGrpSpPr>
+        <p:cNvPr id="1" name="">
+          <a:extLst>
+            <a:ext uri="{FF2B5EF4-FFF2-40B4-BE49-F238E27FC236}">
+              <a16:creationId xmlns:a16="http://schemas.microsoft.com/office/drawing/2014/main" id="{5F63F271-7169-1115-1EF3-CE3BF477816E}"/>
+            </a:ext>
+          </a:extLst>
+        </p:cNvPr>
+        <p:cNvGrpSpPr/>
+        <p:nvPr/>
+      </p:nvGrpSpPr>
+      <p:grpSpPr>
+        <a:xfrm>
+          <a:off x="0" y="0"/>
+          <a:ext cx="0" cy="0"/>
+          <a:chOff x="0" y="0"/>
+          <a:chExt cx="0" cy="0"/>
+        </a:xfrm>
+      </p:grpSpPr>
+      <p:sp>
+        <p:nvSpPr>
+          <p:cNvPr id="6" name="Title 5">
+            <a:extLst>
+              <a:ext uri="{FF2B5EF4-FFF2-40B4-BE49-F238E27FC236}">
+                <a16:creationId xmlns:a16="http://schemas.microsoft.com/office/drawing/2014/main" id="{B9AD7D28-49C2-0B8B-79CB-FA2C8F40B6BC}"/>
+              </a:ext>
+            </a:extLst>
+          </p:cNvPr>
+          <p:cNvSpPr>
+            <a:spLocks noGrp="1"/>
+          </p:cNvSpPr>
+          <p:nvPr>
+            <p:ph type="title"/>
+          </p:nvPr>
+        </p:nvSpPr>
+        <p:spPr>
+          <a:xfrm>
+            <a:off x="838200" y="365125"/>
+            <a:ext cx="10279455" cy="1825625"/>
+          </a:xfrm>
+        </p:spPr>
+        <p:txBody>
+          <a:bodyPr>
+            <a:normAutofit/>
+          </a:bodyPr>
+          <a:lstStyle/>
+          <a:p>
+            <a:r>
+              <a:rPr lang="en-US" dirty="0"/>
               <a:t>Donor facet</a:t>
             </a:r>
           </a:p>
@@ -6792,6 +8102,115 @@
     <p:extLst>
       <p:ext uri="{BB962C8B-B14F-4D97-AF65-F5344CB8AC3E}">
         <p14:creationId xmlns:p14="http://schemas.microsoft.com/office/powerpoint/2010/main" val="3640720523"/>
+      </p:ext>
+    </p:extLst>
+  </p:cSld>
+  <p:clrMapOvr>
+    <a:masterClrMapping/>
+  </p:clrMapOvr>
+</p:sld>
+</file>
+
+<file path=ppt/slides/slide18.xml><?xml version="1.0" encoding="utf-8"?>
+<p:sld xmlns:a="http://schemas.openxmlformats.org/drawingml/2006/main" xmlns:r="http://schemas.openxmlformats.org/officeDocument/2006/relationships" xmlns:p="http://schemas.openxmlformats.org/presentationml/2006/main">
+  <p:cSld>
+    <p:spTree>
+      <p:nvGrpSpPr>
+        <p:cNvPr id="1" name="">
+          <a:extLst>
+            <a:ext uri="{FF2B5EF4-FFF2-40B4-BE49-F238E27FC236}">
+              <a16:creationId xmlns:a16="http://schemas.microsoft.com/office/drawing/2014/main" id="{5F63F271-7169-1115-1EF3-CE3BF477816E}"/>
+            </a:ext>
+          </a:extLst>
+        </p:cNvPr>
+        <p:cNvGrpSpPr/>
+        <p:nvPr/>
+      </p:nvGrpSpPr>
+      <p:grpSpPr>
+        <a:xfrm>
+          <a:off x="0" y="0"/>
+          <a:ext cx="0" cy="0"/>
+          <a:chOff x="0" y="0"/>
+          <a:chExt cx="0" cy="0"/>
+        </a:xfrm>
+      </p:grpSpPr>
+      <p:sp>
+        <p:nvSpPr>
+          <p:cNvPr id="6" name="Title 5">
+            <a:extLst>
+              <a:ext uri="{FF2B5EF4-FFF2-40B4-BE49-F238E27FC236}">
+                <a16:creationId xmlns:a16="http://schemas.microsoft.com/office/drawing/2014/main" id="{B9AD7D28-49C2-0B8B-79CB-FA2C8F40B6BC}"/>
+              </a:ext>
+            </a:extLst>
+          </p:cNvPr>
+          <p:cNvSpPr>
+            <a:spLocks noGrp="1"/>
+          </p:cNvSpPr>
+          <p:nvPr>
+            <p:ph type="title"/>
+          </p:nvPr>
+        </p:nvSpPr>
+        <p:spPr>
+          <a:xfrm>
+            <a:off x="838200" y="365125"/>
+            <a:ext cx="10279455" cy="1825625"/>
+          </a:xfrm>
+        </p:spPr>
+        <p:txBody>
+          <a:bodyPr>
+            <a:normAutofit/>
+          </a:bodyPr>
+          <a:lstStyle/>
+          <a:p>
+            <a:r>
+              <a:rPr lang="en-US" dirty="0"/>
+              <a:t>With </a:t>
+            </a:r>
+            <a:r>
+              <a:rPr lang="en-US" dirty="0" err="1"/>
+              <a:t>reseq</a:t>
+            </a:r>
+            <a:r>
+              <a:rPr lang="en-US" dirty="0"/>
+              <a:t>, still see no big epigenetic differences b/w R and NR</a:t>
+            </a:r>
+          </a:p>
+        </p:txBody>
+      </p:sp>
+      <p:pic>
+        <p:nvPicPr>
+          <p:cNvPr id="3" name="Picture 2">
+            <a:extLst>
+              <a:ext uri="{FF2B5EF4-FFF2-40B4-BE49-F238E27FC236}">
+                <a16:creationId xmlns:a16="http://schemas.microsoft.com/office/drawing/2014/main" id="{BB05032D-45A6-FF0A-2D5C-B3E02FB299BF}"/>
+              </a:ext>
+            </a:extLst>
+          </p:cNvPr>
+          <p:cNvPicPr>
+            <a:picLocks noChangeAspect="1"/>
+          </p:cNvPicPr>
+          <p:nvPr/>
+        </p:nvPicPr>
+        <p:blipFill>
+          <a:blip r:embed="rId3"/>
+          <a:stretch>
+            <a:fillRect/>
+          </a:stretch>
+        </p:blipFill>
+        <p:spPr>
+          <a:xfrm>
+            <a:off x="2091727" y="1888855"/>
+            <a:ext cx="7772400" cy="4769942"/>
+          </a:xfrm>
+          <a:prstGeom prst="rect">
+            <a:avLst/>
+          </a:prstGeom>
+        </p:spPr>
+      </p:pic>
+    </p:spTree>
+    <p:extLst>
+      <p:ext uri="{BB962C8B-B14F-4D97-AF65-F5344CB8AC3E}">
+        <p14:creationId xmlns:p14="http://schemas.microsoft.com/office/powerpoint/2010/main" val="245506628"/>
       </p:ext>
     </p:extLst>
   </p:cSld>
@@ -7051,7 +8470,7 @@
           <a:p>
             <a:r>
               <a:rPr lang="en-US" dirty="0"/>
-              <a:t>Also gained many MT mapping reads (re-run in top row)</a:t>
+              <a:t>Also gained many MT mapping reads from re-run (top row)</a:t>
             </a:r>
           </a:p>
         </p:txBody>
@@ -7188,12 +8607,61 @@
           </a:prstGeom>
         </p:spPr>
       </p:pic>
+      <p:sp>
+        <p:nvSpPr>
+          <p:cNvPr id="3" name="TextBox 2">
+            <a:extLst>
+              <a:ext uri="{FF2B5EF4-FFF2-40B4-BE49-F238E27FC236}">
+                <a16:creationId xmlns:a16="http://schemas.microsoft.com/office/drawing/2014/main" id="{A6C96736-3BC7-4872-35AC-587C5300D246}"/>
+              </a:ext>
+            </a:extLst>
+          </p:cNvPr>
+          <p:cNvSpPr txBox="1"/>
+          <p:nvPr/>
+        </p:nvSpPr>
+        <p:spPr>
+          <a:xfrm>
+            <a:off x="177801" y="5973157"/>
+            <a:ext cx="8746562" cy="646331"/>
+          </a:xfrm>
+          <a:prstGeom prst="rect">
+            <a:avLst/>
+          </a:prstGeom>
+          <a:noFill/>
+        </p:spPr>
+        <p:txBody>
+          <a:bodyPr wrap="none" rtlCol="0">
+            <a:spAutoFit/>
+          </a:bodyPr>
+          <a:lstStyle/>
+          <a:p>
+            <a:r>
+              <a:rPr lang="en-US" dirty="0"/>
+              <a:t>with more depth, see more (public) vars</a:t>
+            </a:r>
+          </a:p>
+          <a:p>
+            <a:r>
+              <a:rPr lang="en-US" dirty="0"/>
+              <a:t>high sharing between donors 005008 and 007021 only seen with lowest </a:t>
+            </a:r>
+            <a:r>
+              <a:rPr lang="en-US" dirty="0" err="1"/>
+              <a:t>min_var_freq</a:t>
+            </a:r>
+            <a:r>
+              <a:rPr lang="en-US" dirty="0"/>
+              <a:t> here</a:t>
+            </a:r>
+          </a:p>
+        </p:txBody>
+      </p:sp>
       <p:pic>
         <p:nvPicPr>
-          <p:cNvPr id="2" name="Picture 1">
-            <a:extLst>
-              <a:ext uri="{FF2B5EF4-FFF2-40B4-BE49-F238E27FC236}">
-                <a16:creationId xmlns:a16="http://schemas.microsoft.com/office/drawing/2014/main" id="{49E493E8-6E53-2404-A552-71F117F04640}"/>
+          <p:cNvPr id="6" name="Picture 5">
+            <a:extLst>
+              <a:ext uri="{FF2B5EF4-FFF2-40B4-BE49-F238E27FC236}">
+                <a16:creationId xmlns:a16="http://schemas.microsoft.com/office/drawing/2014/main" id="{6744A490-9093-3F05-7C16-9A3BF6DF60A5}"/>
               </a:ext>
             </a:extLst>
           </p:cNvPr>
@@ -7210,49 +8678,14 @@
         </p:blipFill>
         <p:spPr>
           <a:xfrm>
-            <a:off x="6022110" y="2304288"/>
-            <a:ext cx="5668818" cy="3523859"/>
+            <a:off x="6173999" y="2309526"/>
+            <a:ext cx="5746331" cy="3634926"/>
           </a:xfrm>
           <a:prstGeom prst="rect">
             <a:avLst/>
           </a:prstGeom>
         </p:spPr>
       </p:pic>
-      <p:sp>
-        <p:nvSpPr>
-          <p:cNvPr id="3" name="TextBox 2">
-            <a:extLst>
-              <a:ext uri="{FF2B5EF4-FFF2-40B4-BE49-F238E27FC236}">
-                <a16:creationId xmlns:a16="http://schemas.microsoft.com/office/drawing/2014/main" id="{A6C96736-3BC7-4872-35AC-587C5300D246}"/>
-              </a:ext>
-            </a:extLst>
-          </p:cNvPr>
-          <p:cNvSpPr txBox="1"/>
-          <p:nvPr/>
-        </p:nvSpPr>
-        <p:spPr>
-          <a:xfrm>
-            <a:off x="1376219" y="6003637"/>
-            <a:ext cx="3797835" cy="369332"/>
-          </a:xfrm>
-          <a:prstGeom prst="rect">
-            <a:avLst/>
-          </a:prstGeom>
-          <a:noFill/>
-        </p:spPr>
-        <p:txBody>
-          <a:bodyPr wrap="none" rtlCol="0">
-            <a:spAutoFit/>
-          </a:bodyPr>
-          <a:lstStyle/>
-          <a:p>
-            <a:r>
-              <a:rPr lang="en-US" dirty="0"/>
-              <a:t>with more depth, see more public vars</a:t>
-            </a:r>
-          </a:p>
-        </p:txBody>
-      </p:sp>
     </p:spTree>
     <p:extLst>
       <p:ext uri="{BB962C8B-B14F-4D97-AF65-F5344CB8AC3E}">
@@ -7827,7 +9260,7 @@
             </a:r>
             <a:r>
               <a:rPr lang="en-US" dirty="0"/>
-              <a:t> == 0.001)</a:t>
+              <a:t> of 0.001)</a:t>
             </a:r>
           </a:p>
         </p:txBody>
